--- a/images/editable-images.pptx
+++ b/images/editable-images.pptx
@@ -5,7 +5,7 @@
     <p:sldMasterId id="2147483648" r:id="rId1"/>
   </p:sldMasterIdLst>
   <p:notesMasterIdLst>
-    <p:notesMasterId r:id="rId9"/>
+    <p:notesMasterId r:id="rId10"/>
   </p:notesMasterIdLst>
   <p:sldIdLst>
     <p:sldId id="259" r:id="rId2"/>
@@ -15,6 +15,7 @@
     <p:sldId id="258" r:id="rId6"/>
     <p:sldId id="261" r:id="rId7"/>
     <p:sldId id="262" r:id="rId8"/>
+    <p:sldId id="263" r:id="rId9"/>
   </p:sldIdLst>
   <p:sldSz cx="12192000" cy="6858000"/>
   <p:notesSz cx="6858000" cy="9144000"/>
@@ -6710,6 +6711,339 @@
 </p:sld>
 </file>
 
+<file path=ppt/slides/slide8.xml><?xml version="1.0" encoding="utf-8"?>
+<p:sld xmlns:a="http://schemas.openxmlformats.org/drawingml/2006/main" xmlns:r="http://schemas.openxmlformats.org/officeDocument/2006/relationships" xmlns:p="http://schemas.openxmlformats.org/presentationml/2006/main">
+  <p:cSld>
+    <p:spTree>
+      <p:nvGrpSpPr>
+        <p:cNvPr id="1" name=""/>
+        <p:cNvGrpSpPr/>
+        <p:nvPr/>
+      </p:nvGrpSpPr>
+      <p:grpSpPr>
+        <a:xfrm>
+          <a:off x="0" y="0"/>
+          <a:ext cx="0" cy="0"/>
+          <a:chOff x="0" y="0"/>
+          <a:chExt cx="0" cy="0"/>
+        </a:xfrm>
+      </p:grpSpPr>
+      <p:pic>
+        <p:nvPicPr>
+          <p:cNvPr id="5" name="Picture 4">
+            <a:extLst>
+              <a:ext uri="{FF2B5EF4-FFF2-40B4-BE49-F238E27FC236}">
+                <a16:creationId xmlns:a16="http://schemas.microsoft.com/office/drawing/2014/main" id="{8F023CDF-7BCF-B348-B191-535FEF682DED}"/>
+              </a:ext>
+            </a:extLst>
+          </p:cNvPr>
+          <p:cNvPicPr>
+            <a:picLocks noChangeAspect="1"/>
+          </p:cNvPicPr>
+          <p:nvPr/>
+        </p:nvPicPr>
+        <p:blipFill>
+          <a:blip r:embed="rId2"/>
+          <a:stretch>
+            <a:fillRect/>
+          </a:stretch>
+        </p:blipFill>
+        <p:spPr>
+          <a:xfrm>
+            <a:off x="361951" y="1238250"/>
+            <a:ext cx="7124700" cy="4381500"/>
+          </a:xfrm>
+          <a:prstGeom prst="rect">
+            <a:avLst/>
+          </a:prstGeom>
+        </p:spPr>
+      </p:pic>
+      <p:sp>
+        <p:nvSpPr>
+          <p:cNvPr id="6" name="TextBox 5">
+            <a:extLst>
+              <a:ext uri="{FF2B5EF4-FFF2-40B4-BE49-F238E27FC236}">
+                <a16:creationId xmlns:a16="http://schemas.microsoft.com/office/drawing/2014/main" id="{94E4496D-656B-D745-91AA-60319900881B}"/>
+              </a:ext>
+            </a:extLst>
+          </p:cNvPr>
+          <p:cNvSpPr txBox="1"/>
+          <p:nvPr/>
+        </p:nvSpPr>
+        <p:spPr>
+          <a:xfrm>
+            <a:off x="7329489" y="2420034"/>
+            <a:ext cx="1543050" cy="646331"/>
+          </a:xfrm>
+          <a:prstGeom prst="rect">
+            <a:avLst/>
+          </a:prstGeom>
+          <a:noFill/>
+        </p:spPr>
+        <p:txBody>
+          <a:bodyPr wrap="square" rtlCol="0">
+            <a:spAutoFit/>
+          </a:bodyPr>
+          <a:lstStyle/>
+          <a:p>
+            <a:r>
+              <a:rPr lang="en-US" b="1" dirty="0"/>
+              <a:t>Architectural Boundary</a:t>
+            </a:r>
+          </a:p>
+        </p:txBody>
+      </p:sp>
+      <p:sp>
+        <p:nvSpPr>
+          <p:cNvPr id="7" name="TextBox 6">
+            <a:extLst>
+              <a:ext uri="{FF2B5EF4-FFF2-40B4-BE49-F238E27FC236}">
+                <a16:creationId xmlns:a16="http://schemas.microsoft.com/office/drawing/2014/main" id="{E52D301A-CAA7-EE43-B939-1A371447D067}"/>
+              </a:ext>
+            </a:extLst>
+          </p:cNvPr>
+          <p:cNvSpPr txBox="1"/>
+          <p:nvPr/>
+        </p:nvSpPr>
+        <p:spPr>
+          <a:xfrm>
+            <a:off x="7329489" y="1510097"/>
+            <a:ext cx="1543050" cy="369332"/>
+          </a:xfrm>
+          <a:prstGeom prst="rect">
+            <a:avLst/>
+          </a:prstGeom>
+          <a:noFill/>
+        </p:spPr>
+        <p:txBody>
+          <a:bodyPr wrap="square" rtlCol="0">
+            <a:spAutoFit/>
+          </a:bodyPr>
+          <a:lstStyle/>
+          <a:p>
+            <a:r>
+              <a:rPr lang="en-US" dirty="0"/>
+              <a:t>Abstractions</a:t>
+            </a:r>
+          </a:p>
+        </p:txBody>
+      </p:sp>
+      <p:sp>
+        <p:nvSpPr>
+          <p:cNvPr id="8" name="TextBox 7">
+            <a:extLst>
+              <a:ext uri="{FF2B5EF4-FFF2-40B4-BE49-F238E27FC236}">
+                <a16:creationId xmlns:a16="http://schemas.microsoft.com/office/drawing/2014/main" id="{B52279B3-B9F7-AD4C-96E9-5C8887E94E01}"/>
+              </a:ext>
+            </a:extLst>
+          </p:cNvPr>
+          <p:cNvSpPr txBox="1"/>
+          <p:nvPr/>
+        </p:nvSpPr>
+        <p:spPr>
+          <a:xfrm>
+            <a:off x="7329489" y="3422304"/>
+            <a:ext cx="1543050" cy="369332"/>
+          </a:xfrm>
+          <a:prstGeom prst="rect">
+            <a:avLst/>
+          </a:prstGeom>
+          <a:noFill/>
+        </p:spPr>
+        <p:txBody>
+          <a:bodyPr wrap="square" rtlCol="0">
+            <a:spAutoFit/>
+          </a:bodyPr>
+          <a:lstStyle/>
+          <a:p>
+            <a:r>
+              <a:rPr lang="en-US" dirty="0"/>
+              <a:t>Concretions</a:t>
+            </a:r>
+          </a:p>
+        </p:txBody>
+      </p:sp>
+      <p:cxnSp>
+        <p:nvCxnSpPr>
+          <p:cNvPr id="10" name="Straight Arrow Connector 9">
+            <a:extLst>
+              <a:ext uri="{FF2B5EF4-FFF2-40B4-BE49-F238E27FC236}">
+                <a16:creationId xmlns:a16="http://schemas.microsoft.com/office/drawing/2014/main" id="{776628B3-D867-1C42-A356-D2874C063D45}"/>
+              </a:ext>
+            </a:extLst>
+          </p:cNvPr>
+          <p:cNvCxnSpPr>
+            <a:cxnSpLocks/>
+            <a:stCxn id="6" idx="0"/>
+            <a:endCxn id="7" idx="2"/>
+          </p:cNvCxnSpPr>
+          <p:nvPr/>
+        </p:nvCxnSpPr>
+        <p:spPr>
+          <a:xfrm flipV="1">
+            <a:off x="8101014" y="1879429"/>
+            <a:ext cx="0" cy="540605"/>
+          </a:xfrm>
+          <a:prstGeom prst="straightConnector1">
+            <a:avLst/>
+          </a:prstGeom>
+          <a:ln>
+            <a:tailEnd type="triangle"/>
+          </a:ln>
+        </p:spPr>
+        <p:style>
+          <a:lnRef idx="1">
+            <a:schemeClr val="dk1"/>
+          </a:lnRef>
+          <a:fillRef idx="0">
+            <a:schemeClr val="dk1"/>
+          </a:fillRef>
+          <a:effectRef idx="0">
+            <a:schemeClr val="dk1"/>
+          </a:effectRef>
+          <a:fontRef idx="minor">
+            <a:schemeClr val="tx1"/>
+          </a:fontRef>
+        </p:style>
+      </p:cxnSp>
+      <p:cxnSp>
+        <p:nvCxnSpPr>
+          <p:cNvPr id="11" name="Straight Arrow Connector 10">
+            <a:extLst>
+              <a:ext uri="{FF2B5EF4-FFF2-40B4-BE49-F238E27FC236}">
+                <a16:creationId xmlns:a16="http://schemas.microsoft.com/office/drawing/2014/main" id="{3B3B0A6E-39C0-F644-B685-4C83BE2F353D}"/>
+              </a:ext>
+            </a:extLst>
+          </p:cNvPr>
+          <p:cNvCxnSpPr>
+            <a:cxnSpLocks/>
+            <a:stCxn id="6" idx="2"/>
+            <a:endCxn id="8" idx="0"/>
+          </p:cNvCxnSpPr>
+          <p:nvPr/>
+        </p:nvCxnSpPr>
+        <p:spPr>
+          <a:xfrm>
+            <a:off x="8101014" y="3066365"/>
+            <a:ext cx="0" cy="355939"/>
+          </a:xfrm>
+          <a:prstGeom prst="straightConnector1">
+            <a:avLst/>
+          </a:prstGeom>
+          <a:ln>
+            <a:tailEnd type="triangle"/>
+          </a:ln>
+        </p:spPr>
+        <p:style>
+          <a:lnRef idx="1">
+            <a:schemeClr val="dk1"/>
+          </a:lnRef>
+          <a:fillRef idx="0">
+            <a:schemeClr val="dk1"/>
+          </a:fillRef>
+          <a:effectRef idx="0">
+            <a:schemeClr val="dk1"/>
+          </a:effectRef>
+          <a:fontRef idx="minor">
+            <a:schemeClr val="tx1"/>
+          </a:fontRef>
+        </p:style>
+      </p:cxnSp>
+      <p:sp>
+        <p:nvSpPr>
+          <p:cNvPr id="16" name="TextBox 15">
+            <a:extLst>
+              <a:ext uri="{FF2B5EF4-FFF2-40B4-BE49-F238E27FC236}">
+                <a16:creationId xmlns:a16="http://schemas.microsoft.com/office/drawing/2014/main" id="{C2189F37-F76A-5A49-A3EF-E81464EA5C88}"/>
+              </a:ext>
+            </a:extLst>
+          </p:cNvPr>
+          <p:cNvSpPr txBox="1"/>
+          <p:nvPr/>
+        </p:nvSpPr>
+        <p:spPr>
+          <a:xfrm>
+            <a:off x="5457826" y="4068635"/>
+            <a:ext cx="4057649" cy="1477328"/>
+          </a:xfrm>
+          <a:prstGeom prst="rect">
+            <a:avLst/>
+          </a:prstGeom>
+          <a:noFill/>
+        </p:spPr>
+        <p:txBody>
+          <a:bodyPr wrap="square" rtlCol="0">
+            <a:spAutoFit/>
+          </a:bodyPr>
+          <a:lstStyle/>
+          <a:p>
+            <a:r>
+              <a:rPr lang="en-US" dirty="0"/>
+              <a:t>*Lines only cross in one direction.</a:t>
+            </a:r>
+          </a:p>
+          <a:p>
+            <a:r>
+              <a:rPr lang="en-US" dirty="0"/>
+              <a:t>*Lines always flow from the concrete to the abstract.</a:t>
+            </a:r>
+          </a:p>
+          <a:p>
+            <a:r>
+              <a:rPr lang="en-US" dirty="0"/>
+              <a:t>*The flow of control is inverted from the source code dependency.</a:t>
+            </a:r>
+          </a:p>
+        </p:txBody>
+      </p:sp>
+      <p:sp>
+        <p:nvSpPr>
+          <p:cNvPr id="19" name="TextBox 18">
+            <a:extLst>
+              <a:ext uri="{FF2B5EF4-FFF2-40B4-BE49-F238E27FC236}">
+                <a16:creationId xmlns:a16="http://schemas.microsoft.com/office/drawing/2014/main" id="{5B1E1C4F-EA3E-7B48-B88A-7A561D2E3A52}"/>
+              </a:ext>
+            </a:extLst>
+          </p:cNvPr>
+          <p:cNvSpPr txBox="1"/>
+          <p:nvPr/>
+        </p:nvSpPr>
+        <p:spPr>
+          <a:xfrm>
+            <a:off x="1528763" y="660943"/>
+            <a:ext cx="4743450" cy="646331"/>
+          </a:xfrm>
+          <a:prstGeom prst="rect">
+            <a:avLst/>
+          </a:prstGeom>
+          <a:noFill/>
+        </p:spPr>
+        <p:txBody>
+          <a:bodyPr wrap="square" rtlCol="0">
+            <a:spAutoFit/>
+          </a:bodyPr>
+          <a:lstStyle/>
+          <a:p>
+            <a:r>
+              <a:rPr lang="en-US" dirty="0"/>
+              <a:t>ServiceFactory&lt;I&gt;.makeSvc returns an object that complies with the Service &lt;I&gt;.</a:t>
+            </a:r>
+          </a:p>
+        </p:txBody>
+      </p:sp>
+    </p:spTree>
+    <p:extLst>
+      <p:ext uri="{BB962C8B-B14F-4D97-AF65-F5344CB8AC3E}">
+        <p14:creationId xmlns:p14="http://schemas.microsoft.com/office/powerpoint/2010/main" val="2526936105"/>
+      </p:ext>
+    </p:extLst>
+  </p:cSld>
+  <p:clrMapOvr>
+    <a:masterClrMapping/>
+  </p:clrMapOvr>
+</p:sld>
+</file>
+
 <file path=ppt/theme/theme1.xml><?xml version="1.0" encoding="utf-8"?>
 <a:theme xmlns:a="http://schemas.openxmlformats.org/drawingml/2006/main" name="Office Theme">
   <a:themeElements>

--- a/images/editable-images.pptx
+++ b/images/editable-images.pptx
@@ -5,7 +5,7 @@
     <p:sldMasterId id="2147483648" r:id="rId1"/>
   </p:sldMasterIdLst>
   <p:notesMasterIdLst>
-    <p:notesMasterId r:id="rId10"/>
+    <p:notesMasterId r:id="rId11"/>
   </p:notesMasterIdLst>
   <p:sldIdLst>
     <p:sldId id="259" r:id="rId2"/>
@@ -16,6 +16,7 @@
     <p:sldId id="261" r:id="rId7"/>
     <p:sldId id="262" r:id="rId8"/>
     <p:sldId id="263" r:id="rId9"/>
+    <p:sldId id="264" r:id="rId10"/>
   </p:sldIdLst>
   <p:sldSz cx="12192000" cy="6858000"/>
   <p:notesSz cx="6858000" cy="9144000"/>
@@ -7044,6 +7045,64 @@
 </p:sld>
 </file>
 
+<file path=ppt/slides/slide9.xml><?xml version="1.0" encoding="utf-8"?>
+<p:sld xmlns:a="http://schemas.openxmlformats.org/drawingml/2006/main" xmlns:r="http://schemas.openxmlformats.org/officeDocument/2006/relationships" xmlns:p="http://schemas.openxmlformats.org/presentationml/2006/main">
+  <p:cSld>
+    <p:spTree>
+      <p:nvGrpSpPr>
+        <p:cNvPr id="1" name=""/>
+        <p:cNvGrpSpPr/>
+        <p:nvPr/>
+      </p:nvGrpSpPr>
+      <p:grpSpPr>
+        <a:xfrm>
+          <a:off x="0" y="0"/>
+          <a:ext cx="0" cy="0"/>
+          <a:chOff x="0" y="0"/>
+          <a:chExt cx="0" cy="0"/>
+        </a:xfrm>
+      </p:grpSpPr>
+      <p:sp>
+        <p:nvSpPr>
+          <p:cNvPr id="2" name="Title 1">
+            <a:extLst>
+              <a:ext uri="{FF2B5EF4-FFF2-40B4-BE49-F238E27FC236}">
+                <a16:creationId xmlns:a16="http://schemas.microsoft.com/office/drawing/2014/main" id="{98321035-A9B7-3D49-8934-E8B98A825DAA}"/>
+              </a:ext>
+            </a:extLst>
+          </p:cNvPr>
+          <p:cNvSpPr>
+            <a:spLocks noGrp="1"/>
+          </p:cNvSpPr>
+          <p:nvPr>
+            <p:ph type="title"/>
+          </p:nvPr>
+        </p:nvSpPr>
+        <p:spPr/>
+        <p:txBody>
+          <a:bodyPr/>
+          <a:lstStyle/>
+          <a:p>
+            <a:r>
+              <a:rPr lang="en-US" dirty="0"/>
+              <a:t>PART IV</a:t>
+            </a:r>
+          </a:p>
+        </p:txBody>
+      </p:sp>
+    </p:spTree>
+    <p:extLst>
+      <p:ext uri="{BB962C8B-B14F-4D97-AF65-F5344CB8AC3E}">
+        <p14:creationId xmlns:p14="http://schemas.microsoft.com/office/powerpoint/2010/main" val="4232997925"/>
+      </p:ext>
+    </p:extLst>
+  </p:cSld>
+  <p:clrMapOvr>
+    <a:masterClrMapping/>
+  </p:clrMapOvr>
+</p:sld>
+</file>
+
 <file path=ppt/theme/theme1.xml><?xml version="1.0" encoding="utf-8"?>
 <a:theme xmlns:a="http://schemas.openxmlformats.org/drawingml/2006/main" name="Office Theme">
   <a:themeElements>

--- a/images/editable-images.pptx
+++ b/images/editable-images.pptx
@@ -5,7 +5,7 @@
     <p:sldMasterId id="2147483648" r:id="rId1"/>
   </p:sldMasterIdLst>
   <p:notesMasterIdLst>
-    <p:notesMasterId r:id="rId11"/>
+    <p:notesMasterId r:id="rId12"/>
   </p:notesMasterIdLst>
   <p:sldIdLst>
     <p:sldId id="259" r:id="rId2"/>
@@ -17,6 +17,7 @@
     <p:sldId id="262" r:id="rId8"/>
     <p:sldId id="263" r:id="rId9"/>
     <p:sldId id="264" r:id="rId10"/>
+    <p:sldId id="265" r:id="rId11"/>
   </p:sldIdLst>
   <p:sldSz cx="12192000" cy="6858000"/>
   <p:notesSz cx="6858000" cy="9144000"/>
@@ -205,7 +206,7 @@
           <a:p>
             <a:fld id="{AFF3EEE4-83CB-D440-8517-C3F6C597FEB7}" type="datetimeFigureOut">
               <a:rPr lang="en-US" smtClean="0"/>
-              <a:t>8/22/20</a:t>
+              <a:t>9/2/20</a:t>
             </a:fld>
             <a:endParaRPr lang="en-US"/>
           </a:p>
@@ -706,7 +707,7 @@
           <a:p>
             <a:fld id="{5498BE7D-DC35-F24F-9155-A36CD45F71EC}" type="datetimeFigureOut">
               <a:rPr lang="en-US" smtClean="0"/>
-              <a:t>8/22/20</a:t>
+              <a:t>9/2/20</a:t>
             </a:fld>
             <a:endParaRPr lang="en-US"/>
           </a:p>
@@ -906,7 +907,7 @@
           <a:p>
             <a:fld id="{5498BE7D-DC35-F24F-9155-A36CD45F71EC}" type="datetimeFigureOut">
               <a:rPr lang="en-US" smtClean="0"/>
-              <a:t>8/22/20</a:t>
+              <a:t>9/2/20</a:t>
             </a:fld>
             <a:endParaRPr lang="en-US"/>
           </a:p>
@@ -1116,7 +1117,7 @@
           <a:p>
             <a:fld id="{5498BE7D-DC35-F24F-9155-A36CD45F71EC}" type="datetimeFigureOut">
               <a:rPr lang="en-US" smtClean="0"/>
-              <a:t>8/22/20</a:t>
+              <a:t>9/2/20</a:t>
             </a:fld>
             <a:endParaRPr lang="en-US"/>
           </a:p>
@@ -1316,7 +1317,7 @@
           <a:p>
             <a:fld id="{5498BE7D-DC35-F24F-9155-A36CD45F71EC}" type="datetimeFigureOut">
               <a:rPr lang="en-US" smtClean="0"/>
-              <a:t>8/22/20</a:t>
+              <a:t>9/2/20</a:t>
             </a:fld>
             <a:endParaRPr lang="en-US"/>
           </a:p>
@@ -1592,7 +1593,7 @@
           <a:p>
             <a:fld id="{5498BE7D-DC35-F24F-9155-A36CD45F71EC}" type="datetimeFigureOut">
               <a:rPr lang="en-US" smtClean="0"/>
-              <a:t>8/22/20</a:t>
+              <a:t>9/2/20</a:t>
             </a:fld>
             <a:endParaRPr lang="en-US"/>
           </a:p>
@@ -1860,7 +1861,7 @@
           <a:p>
             <a:fld id="{5498BE7D-DC35-F24F-9155-A36CD45F71EC}" type="datetimeFigureOut">
               <a:rPr lang="en-US" smtClean="0"/>
-              <a:t>8/22/20</a:t>
+              <a:t>9/2/20</a:t>
             </a:fld>
             <a:endParaRPr lang="en-US"/>
           </a:p>
@@ -2275,7 +2276,7 @@
           <a:p>
             <a:fld id="{5498BE7D-DC35-F24F-9155-A36CD45F71EC}" type="datetimeFigureOut">
               <a:rPr lang="en-US" smtClean="0"/>
-              <a:t>8/22/20</a:t>
+              <a:t>9/2/20</a:t>
             </a:fld>
             <a:endParaRPr lang="en-US"/>
           </a:p>
@@ -2417,7 +2418,7 @@
           <a:p>
             <a:fld id="{5498BE7D-DC35-F24F-9155-A36CD45F71EC}" type="datetimeFigureOut">
               <a:rPr lang="en-US" smtClean="0"/>
-              <a:t>8/22/20</a:t>
+              <a:t>9/2/20</a:t>
             </a:fld>
             <a:endParaRPr lang="en-US"/>
           </a:p>
@@ -2530,7 +2531,7 @@
           <a:p>
             <a:fld id="{5498BE7D-DC35-F24F-9155-A36CD45F71EC}" type="datetimeFigureOut">
               <a:rPr lang="en-US" smtClean="0"/>
-              <a:t>8/22/20</a:t>
+              <a:t>9/2/20</a:t>
             </a:fld>
             <a:endParaRPr lang="en-US"/>
           </a:p>
@@ -2843,7 +2844,7 @@
           <a:p>
             <a:fld id="{5498BE7D-DC35-F24F-9155-A36CD45F71EC}" type="datetimeFigureOut">
               <a:rPr lang="en-US" smtClean="0"/>
-              <a:t>8/22/20</a:t>
+              <a:t>9/2/20</a:t>
             </a:fld>
             <a:endParaRPr lang="en-US"/>
           </a:p>
@@ -3132,7 +3133,7 @@
           <a:p>
             <a:fld id="{5498BE7D-DC35-F24F-9155-A36CD45F71EC}" type="datetimeFigureOut">
               <a:rPr lang="en-US" smtClean="0"/>
-              <a:t>8/22/20</a:t>
+              <a:t>9/2/20</a:t>
             </a:fld>
             <a:endParaRPr lang="en-US"/>
           </a:p>
@@ -3375,7 +3376,7 @@
           <a:p>
             <a:fld id="{5498BE7D-DC35-F24F-9155-A36CD45F71EC}" type="datetimeFigureOut">
               <a:rPr lang="en-US" smtClean="0"/>
-              <a:t>8/22/20</a:t>
+              <a:t>9/2/20</a:t>
             </a:fld>
             <a:endParaRPr lang="en-US"/>
           </a:p>
@@ -3824,6 +3825,174 @@
     <p:extLst>
       <p:ext uri="{BB962C8B-B14F-4D97-AF65-F5344CB8AC3E}">
         <p14:creationId xmlns:p14="http://schemas.microsoft.com/office/powerpoint/2010/main" val="3465133035"/>
+      </p:ext>
+    </p:extLst>
+  </p:cSld>
+  <p:clrMapOvr>
+    <a:masterClrMapping/>
+  </p:clrMapOvr>
+</p:sld>
+</file>
+
+<file path=ppt/slides/slide10.xml><?xml version="1.0" encoding="utf-8"?>
+<p:sld xmlns:a="http://schemas.openxmlformats.org/drawingml/2006/main" xmlns:r="http://schemas.openxmlformats.org/officeDocument/2006/relationships" xmlns:p="http://schemas.openxmlformats.org/presentationml/2006/main">
+  <p:cSld>
+    <p:spTree>
+      <p:nvGrpSpPr>
+        <p:cNvPr id="1" name=""/>
+        <p:cNvGrpSpPr/>
+        <p:nvPr/>
+      </p:nvGrpSpPr>
+      <p:grpSpPr>
+        <a:xfrm>
+          <a:off x="0" y="0"/>
+          <a:ext cx="0" cy="0"/>
+          <a:chOff x="0" y="0"/>
+          <a:chExt cx="0" cy="0"/>
+        </a:xfrm>
+      </p:grpSpPr>
+      <p:pic>
+        <p:nvPicPr>
+          <p:cNvPr id="8" name="Picture 7">
+            <a:extLst>
+              <a:ext uri="{FF2B5EF4-FFF2-40B4-BE49-F238E27FC236}">
+                <a16:creationId xmlns:a16="http://schemas.microsoft.com/office/drawing/2014/main" id="{BEE24F48-09C9-474A-8CFC-2AD2F8044419}"/>
+              </a:ext>
+            </a:extLst>
+          </p:cNvPr>
+          <p:cNvPicPr>
+            <a:picLocks noChangeAspect="1"/>
+          </p:cNvPicPr>
+          <p:nvPr/>
+        </p:nvPicPr>
+        <p:blipFill>
+          <a:blip r:embed="rId2"/>
+          <a:stretch>
+            <a:fillRect/>
+          </a:stretch>
+        </p:blipFill>
+        <p:spPr>
+          <a:xfrm>
+            <a:off x="1192408" y="831849"/>
+            <a:ext cx="7640108" cy="5336721"/>
+          </a:xfrm>
+          <a:prstGeom prst="rect">
+            <a:avLst/>
+          </a:prstGeom>
+        </p:spPr>
+      </p:pic>
+      <p:sp>
+        <p:nvSpPr>
+          <p:cNvPr id="6" name="TextBox 5">
+            <a:extLst>
+              <a:ext uri="{FF2B5EF4-FFF2-40B4-BE49-F238E27FC236}">
+                <a16:creationId xmlns:a16="http://schemas.microsoft.com/office/drawing/2014/main" id="{036285E4-4C10-5143-81D1-F7A4FE372FA7}"/>
+              </a:ext>
+            </a:extLst>
+          </p:cNvPr>
+          <p:cNvSpPr txBox="1"/>
+          <p:nvPr/>
+        </p:nvSpPr>
+        <p:spPr>
+          <a:xfrm rot="18131995">
+            <a:off x="4811940" y="3610431"/>
+            <a:ext cx="4057649" cy="276999"/>
+          </a:xfrm>
+          <a:prstGeom prst="rect">
+            <a:avLst/>
+          </a:prstGeom>
+          <a:noFill/>
+        </p:spPr>
+        <p:txBody>
+          <a:bodyPr wrap="square" rtlCol="0">
+            <a:spAutoFit/>
+          </a:bodyPr>
+          <a:lstStyle/>
+          <a:p>
+            <a:pPr algn="ctr"/>
+            <a:r>
+              <a:rPr lang="en-US" sz="1200" dirty="0"/>
+              <a:t>(cost of abandoning REP)</a:t>
+            </a:r>
+          </a:p>
+        </p:txBody>
+      </p:sp>
+      <p:sp>
+        <p:nvSpPr>
+          <p:cNvPr id="9" name="TextBox 8">
+            <a:extLst>
+              <a:ext uri="{FF2B5EF4-FFF2-40B4-BE49-F238E27FC236}">
+                <a16:creationId xmlns:a16="http://schemas.microsoft.com/office/drawing/2014/main" id="{58670970-FE83-5642-A7AE-F628931B03D4}"/>
+              </a:ext>
+            </a:extLst>
+          </p:cNvPr>
+          <p:cNvSpPr txBox="1"/>
+          <p:nvPr/>
+        </p:nvSpPr>
+        <p:spPr>
+          <a:xfrm>
+            <a:off x="3134660" y="1256599"/>
+            <a:ext cx="4057649" cy="276999"/>
+          </a:xfrm>
+          <a:prstGeom prst="rect">
+            <a:avLst/>
+          </a:prstGeom>
+          <a:noFill/>
+        </p:spPr>
+        <p:txBody>
+          <a:bodyPr wrap="square" rtlCol="0">
+            <a:spAutoFit/>
+          </a:bodyPr>
+          <a:lstStyle/>
+          <a:p>
+            <a:pPr algn="ctr"/>
+            <a:r>
+              <a:rPr lang="en-US" sz="1200" dirty="0"/>
+              <a:t>(cost of abandoning CRP)</a:t>
+            </a:r>
+          </a:p>
+        </p:txBody>
+      </p:sp>
+      <p:sp>
+        <p:nvSpPr>
+          <p:cNvPr id="10" name="TextBox 9">
+            <a:extLst>
+              <a:ext uri="{FF2B5EF4-FFF2-40B4-BE49-F238E27FC236}">
+                <a16:creationId xmlns:a16="http://schemas.microsoft.com/office/drawing/2014/main" id="{42B6CA65-F4C5-C34B-A580-774DDED4B35B}"/>
+              </a:ext>
+            </a:extLst>
+          </p:cNvPr>
+          <p:cNvSpPr txBox="1"/>
+          <p:nvPr/>
+        </p:nvSpPr>
+        <p:spPr>
+          <a:xfrm rot="3514579">
+            <a:off x="1240546" y="3444626"/>
+            <a:ext cx="4057649" cy="276999"/>
+          </a:xfrm>
+          <a:prstGeom prst="rect">
+            <a:avLst/>
+          </a:prstGeom>
+          <a:noFill/>
+        </p:spPr>
+        <p:txBody>
+          <a:bodyPr wrap="square" rtlCol="0">
+            <a:spAutoFit/>
+          </a:bodyPr>
+          <a:lstStyle/>
+          <a:p>
+            <a:pPr algn="ctr"/>
+            <a:r>
+              <a:rPr lang="en-US" sz="1200" dirty="0"/>
+              <a:t>(cost of abandoning CCP)</a:t>
+            </a:r>
+          </a:p>
+        </p:txBody>
+      </p:sp>
+    </p:spTree>
+    <p:extLst>
+      <p:ext uri="{BB962C8B-B14F-4D97-AF65-F5344CB8AC3E}">
+        <p14:creationId xmlns:p14="http://schemas.microsoft.com/office/powerpoint/2010/main" val="2935224360"/>
       </p:ext>
     </p:extLst>
   </p:cSld>

--- a/images/editable-images.pptx
+++ b/images/editable-images.pptx
@@ -5,7 +5,7 @@
     <p:sldMasterId id="2147483648" r:id="rId1"/>
   </p:sldMasterIdLst>
   <p:notesMasterIdLst>
-    <p:notesMasterId r:id="rId12"/>
+    <p:notesMasterId r:id="rId15"/>
   </p:notesMasterIdLst>
   <p:sldIdLst>
     <p:sldId id="259" r:id="rId2"/>
@@ -18,6 +18,9 @@
     <p:sldId id="263" r:id="rId9"/>
     <p:sldId id="264" r:id="rId10"/>
     <p:sldId id="265" r:id="rId11"/>
+    <p:sldId id="266" r:id="rId12"/>
+    <p:sldId id="267" r:id="rId13"/>
+    <p:sldId id="268" r:id="rId14"/>
   </p:sldIdLst>
   <p:sldSz cx="12192000" cy="6858000"/>
   <p:notesSz cx="6858000" cy="9144000"/>
@@ -3993,6 +3996,357 @@
     <p:extLst>
       <p:ext uri="{BB962C8B-B14F-4D97-AF65-F5344CB8AC3E}">
         <p14:creationId xmlns:p14="http://schemas.microsoft.com/office/powerpoint/2010/main" val="2935224360"/>
+      </p:ext>
+    </p:extLst>
+  </p:cSld>
+  <p:clrMapOvr>
+    <a:masterClrMapping/>
+  </p:clrMapOvr>
+</p:sld>
+</file>
+
+<file path=ppt/slides/slide11.xml><?xml version="1.0" encoding="utf-8"?>
+<p:sld xmlns:a="http://schemas.openxmlformats.org/drawingml/2006/main" xmlns:r="http://schemas.openxmlformats.org/officeDocument/2006/relationships" xmlns:p="http://schemas.openxmlformats.org/presentationml/2006/main">
+  <p:cSld>
+    <p:spTree>
+      <p:nvGrpSpPr>
+        <p:cNvPr id="1" name=""/>
+        <p:cNvGrpSpPr/>
+        <p:nvPr/>
+      </p:nvGrpSpPr>
+      <p:grpSpPr>
+        <a:xfrm>
+          <a:off x="0" y="0"/>
+          <a:ext cx="0" cy="0"/>
+          <a:chOff x="0" y="0"/>
+          <a:chExt cx="0" cy="0"/>
+        </a:xfrm>
+      </p:grpSpPr>
+      <p:pic>
+        <p:nvPicPr>
+          <p:cNvPr id="3" name="Picture 2">
+            <a:extLst>
+              <a:ext uri="{FF2B5EF4-FFF2-40B4-BE49-F238E27FC236}">
+                <a16:creationId xmlns:a16="http://schemas.microsoft.com/office/drawing/2014/main" id="{4DFAD515-D1ED-DD4B-AD72-4A47471935FE}"/>
+              </a:ext>
+            </a:extLst>
+          </p:cNvPr>
+          <p:cNvPicPr>
+            <a:picLocks noChangeAspect="1"/>
+          </p:cNvPicPr>
+          <p:nvPr/>
+        </p:nvPicPr>
+        <p:blipFill>
+          <a:blip r:embed="rId2"/>
+          <a:stretch>
+            <a:fillRect/>
+          </a:stretch>
+        </p:blipFill>
+        <p:spPr>
+          <a:xfrm>
+            <a:off x="2003878" y="298450"/>
+            <a:ext cx="7023100" cy="4229100"/>
+          </a:xfrm>
+          <a:prstGeom prst="rect">
+            <a:avLst/>
+          </a:prstGeom>
+        </p:spPr>
+      </p:pic>
+      <p:sp>
+        <p:nvSpPr>
+          <p:cNvPr id="4" name="Rectangle 3">
+            <a:extLst>
+              <a:ext uri="{FF2B5EF4-FFF2-40B4-BE49-F238E27FC236}">
+                <a16:creationId xmlns:a16="http://schemas.microsoft.com/office/drawing/2014/main" id="{D7E6809A-564A-2242-8340-7367B73E5C91}"/>
+              </a:ext>
+            </a:extLst>
+          </p:cNvPr>
+          <p:cNvSpPr/>
+          <p:nvPr/>
+        </p:nvSpPr>
+        <p:spPr>
+          <a:xfrm>
+            <a:off x="5225143" y="2569029"/>
+            <a:ext cx="3801836" cy="1958521"/>
+          </a:xfrm>
+          <a:prstGeom prst="rect">
+            <a:avLst/>
+          </a:prstGeom>
+          <a:noFill/>
+          <a:ln w="38100">
+            <a:solidFill>
+              <a:srgbClr val="FF0000"/>
+            </a:solidFill>
+          </a:ln>
+        </p:spPr>
+        <p:style>
+          <a:lnRef idx="2">
+            <a:schemeClr val="accent1">
+              <a:shade val="50000"/>
+            </a:schemeClr>
+          </a:lnRef>
+          <a:fillRef idx="1">
+            <a:schemeClr val="accent1"/>
+          </a:fillRef>
+          <a:effectRef idx="0">
+            <a:schemeClr val="accent1"/>
+          </a:effectRef>
+          <a:fontRef idx="minor">
+            <a:schemeClr val="lt1"/>
+          </a:fontRef>
+        </p:style>
+        <p:txBody>
+          <a:bodyPr rtlCol="0" anchor="ctr"/>
+          <a:lstStyle/>
+          <a:p>
+            <a:pPr algn="ctr"/>
+            <a:endParaRPr lang="en-US"/>
+          </a:p>
+        </p:txBody>
+      </p:sp>
+      <p:sp>
+        <p:nvSpPr>
+          <p:cNvPr id="5" name="TextBox 4">
+            <a:extLst>
+              <a:ext uri="{FF2B5EF4-FFF2-40B4-BE49-F238E27FC236}">
+                <a16:creationId xmlns:a16="http://schemas.microsoft.com/office/drawing/2014/main" id="{F708ACD0-6053-5748-ACB7-C7D5CA77C845}"/>
+              </a:ext>
+            </a:extLst>
+          </p:cNvPr>
+          <p:cNvSpPr txBox="1"/>
+          <p:nvPr/>
+        </p:nvSpPr>
+        <p:spPr>
+          <a:xfrm>
+            <a:off x="1890485" y="4436283"/>
+            <a:ext cx="8411029" cy="1815882"/>
+          </a:xfrm>
+          <a:prstGeom prst="rect">
+            <a:avLst/>
+          </a:prstGeom>
+          <a:noFill/>
+        </p:spPr>
+        <p:txBody>
+          <a:bodyPr wrap="square" rtlCol="0">
+            <a:spAutoFit/>
+          </a:bodyPr>
+          <a:lstStyle/>
+          <a:p>
+            <a:r>
+              <a:rPr lang="en-US" sz="1600" b="1" dirty="0"/>
+              <a:t>The Problem</a:t>
+            </a:r>
+            <a:endParaRPr lang="en-US" sz="1600" b="1" i="1" dirty="0"/>
+          </a:p>
+          <a:p>
+            <a:pPr marL="285750" indent="-285750">
+              <a:buFontTx/>
+              <a:buChar char="-"/>
+            </a:pPr>
+            <a:r>
+              <a:rPr lang="en-US" sz="1600" i="1" dirty="0"/>
+              <a:t>Entities </a:t>
+            </a:r>
+            <a:r>
+              <a:rPr lang="en-US" sz="1600" dirty="0"/>
+              <a:t>needs a pinned version of </a:t>
+            </a:r>
+            <a:r>
+              <a:rPr lang="en-US" sz="1600" i="1" dirty="0"/>
+              <a:t>Authorizer</a:t>
+            </a:r>
+            <a:r>
+              <a:rPr lang="en-US" sz="1600" dirty="0"/>
+              <a:t> to be built.</a:t>
+            </a:r>
+          </a:p>
+          <a:p>
+            <a:pPr marL="285750" indent="-285750">
+              <a:buFontTx/>
+              <a:buChar char="-"/>
+            </a:pPr>
+            <a:r>
+              <a:rPr lang="en-US" sz="1600" i="1" dirty="0"/>
+              <a:t>Authorizer</a:t>
+            </a:r>
+            <a:r>
+              <a:rPr lang="en-US" sz="1600" dirty="0"/>
+              <a:t> needs a pinned version if </a:t>
+            </a:r>
+            <a:r>
+              <a:rPr lang="en-US" sz="1600" i="1" dirty="0"/>
+              <a:t>Interactors</a:t>
+            </a:r>
+            <a:r>
+              <a:rPr lang="en-US" sz="1600" dirty="0"/>
+              <a:t> to be built.</a:t>
+            </a:r>
+          </a:p>
+          <a:p>
+            <a:pPr marL="285750" indent="-285750">
+              <a:buFontTx/>
+              <a:buChar char="-"/>
+            </a:pPr>
+            <a:r>
+              <a:rPr lang="en-US" sz="1600" i="1" dirty="0"/>
+              <a:t>Interactor</a:t>
+            </a:r>
+            <a:r>
+              <a:rPr lang="en-US" sz="1600" b="1" i="1" dirty="0"/>
+              <a:t> </a:t>
+            </a:r>
+            <a:r>
+              <a:rPr lang="en-US" sz="1600" dirty="0"/>
+              <a:t>needs a pinned version of </a:t>
+            </a:r>
+            <a:r>
+              <a:rPr lang="en-US" sz="1600" i="1" dirty="0"/>
+              <a:t>Entities.</a:t>
+            </a:r>
+          </a:p>
+          <a:p>
+            <a:r>
+              <a:rPr lang="en-US" sz="1600" dirty="0"/>
+              <a:t>All components depend on each other and the only way to build them is to coordinate the build versions between them. </a:t>
+            </a:r>
+            <a:r>
+              <a:rPr lang="en-US" sz="1600" b="1" dirty="0"/>
+              <a:t>They now behave like a single coupled component.</a:t>
+            </a:r>
+          </a:p>
+          <a:p>
+            <a:pPr marL="285750" indent="-285750">
+              <a:buFontTx/>
+              <a:buChar char="-"/>
+            </a:pPr>
+            <a:endParaRPr lang="en-US" sz="1600" i="1" dirty="0"/>
+          </a:p>
+        </p:txBody>
+      </p:sp>
+    </p:spTree>
+    <p:extLst>
+      <p:ext uri="{BB962C8B-B14F-4D97-AF65-F5344CB8AC3E}">
+        <p14:creationId xmlns:p14="http://schemas.microsoft.com/office/powerpoint/2010/main" val="3037246038"/>
+      </p:ext>
+    </p:extLst>
+  </p:cSld>
+  <p:clrMapOvr>
+    <a:masterClrMapping/>
+  </p:clrMapOvr>
+</p:sld>
+</file>
+
+<file path=ppt/slides/slide12.xml><?xml version="1.0" encoding="utf-8"?>
+<p:sld xmlns:a="http://schemas.openxmlformats.org/drawingml/2006/main" xmlns:r="http://schemas.openxmlformats.org/officeDocument/2006/relationships" xmlns:p="http://schemas.openxmlformats.org/presentationml/2006/main">
+  <p:cSld>
+    <p:spTree>
+      <p:nvGrpSpPr>
+        <p:cNvPr id="1" name=""/>
+        <p:cNvGrpSpPr/>
+        <p:nvPr/>
+      </p:nvGrpSpPr>
+      <p:grpSpPr>
+        <a:xfrm>
+          <a:off x="0" y="0"/>
+          <a:ext cx="0" cy="0"/>
+          <a:chOff x="0" y="0"/>
+          <a:chExt cx="0" cy="0"/>
+        </a:xfrm>
+      </p:grpSpPr>
+      <p:pic>
+        <p:nvPicPr>
+          <p:cNvPr id="2" name="Picture 1">
+            <a:extLst>
+              <a:ext uri="{FF2B5EF4-FFF2-40B4-BE49-F238E27FC236}">
+                <a16:creationId xmlns:a16="http://schemas.microsoft.com/office/drawing/2014/main" id="{F90B9174-CFB7-E748-9AE4-6346A8C7E2C7}"/>
+              </a:ext>
+            </a:extLst>
+          </p:cNvPr>
+          <p:cNvPicPr>
+            <a:picLocks noChangeAspect="1"/>
+          </p:cNvPicPr>
+          <p:nvPr/>
+        </p:nvPicPr>
+        <p:blipFill>
+          <a:blip r:embed="rId2"/>
+          <a:stretch>
+            <a:fillRect/>
+          </a:stretch>
+        </p:blipFill>
+        <p:spPr>
+          <a:xfrm>
+            <a:off x="1901371" y="1522185"/>
+            <a:ext cx="7040546" cy="3813629"/>
+          </a:xfrm>
+          <a:prstGeom prst="rect">
+            <a:avLst/>
+          </a:prstGeom>
+        </p:spPr>
+      </p:pic>
+    </p:spTree>
+    <p:extLst>
+      <p:ext uri="{BB962C8B-B14F-4D97-AF65-F5344CB8AC3E}">
+        <p14:creationId xmlns:p14="http://schemas.microsoft.com/office/powerpoint/2010/main" val="424429154"/>
+      </p:ext>
+    </p:extLst>
+  </p:cSld>
+  <p:clrMapOvr>
+    <a:masterClrMapping/>
+  </p:clrMapOvr>
+</p:sld>
+</file>
+
+<file path=ppt/slides/slide13.xml><?xml version="1.0" encoding="utf-8"?>
+<p:sld xmlns:a="http://schemas.openxmlformats.org/drawingml/2006/main" xmlns:r="http://schemas.openxmlformats.org/officeDocument/2006/relationships" xmlns:p="http://schemas.openxmlformats.org/presentationml/2006/main">
+  <p:cSld>
+    <p:spTree>
+      <p:nvGrpSpPr>
+        <p:cNvPr id="1" name=""/>
+        <p:cNvGrpSpPr/>
+        <p:nvPr/>
+      </p:nvGrpSpPr>
+      <p:grpSpPr>
+        <a:xfrm>
+          <a:off x="0" y="0"/>
+          <a:ext cx="0" cy="0"/>
+          <a:chOff x="0" y="0"/>
+          <a:chExt cx="0" cy="0"/>
+        </a:xfrm>
+      </p:grpSpPr>
+      <p:pic>
+        <p:nvPicPr>
+          <p:cNvPr id="3" name="Picture 2">
+            <a:extLst>
+              <a:ext uri="{FF2B5EF4-FFF2-40B4-BE49-F238E27FC236}">
+                <a16:creationId xmlns:a16="http://schemas.microsoft.com/office/drawing/2014/main" id="{B272C31B-AE4B-FF49-B371-3EBF0DBE7A61}"/>
+              </a:ext>
+            </a:extLst>
+          </p:cNvPr>
+          <p:cNvPicPr>
+            <a:picLocks noChangeAspect="1"/>
+          </p:cNvPicPr>
+          <p:nvPr/>
+        </p:nvPicPr>
+        <p:blipFill>
+          <a:blip r:embed="rId2"/>
+          <a:stretch>
+            <a:fillRect/>
+          </a:stretch>
+        </p:blipFill>
+        <p:spPr>
+          <a:xfrm>
+            <a:off x="2307772" y="1475203"/>
+            <a:ext cx="6587671" cy="3907594"/>
+          </a:xfrm>
+          <a:prstGeom prst="rect">
+            <a:avLst/>
+          </a:prstGeom>
+        </p:spPr>
+      </p:pic>
+    </p:spTree>
+    <p:extLst>
+      <p:ext uri="{BB962C8B-B14F-4D97-AF65-F5344CB8AC3E}">
+        <p14:creationId xmlns:p14="http://schemas.microsoft.com/office/powerpoint/2010/main" val="1079764137"/>
       </p:ext>
     </p:extLst>
   </p:cSld>

--- a/images/editable-images.pptx
+++ b/images/editable-images.pptx
@@ -5,7 +5,7 @@
     <p:sldMasterId id="2147483648" r:id="rId1"/>
   </p:sldMasterIdLst>
   <p:notesMasterIdLst>
-    <p:notesMasterId r:id="rId15"/>
+    <p:notesMasterId r:id="rId16"/>
   </p:notesMasterIdLst>
   <p:sldIdLst>
     <p:sldId id="259" r:id="rId2"/>
@@ -21,6 +21,7 @@
     <p:sldId id="266" r:id="rId12"/>
     <p:sldId id="267" r:id="rId13"/>
     <p:sldId id="268" r:id="rId14"/>
+    <p:sldId id="269" r:id="rId15"/>
   </p:sldIdLst>
   <p:sldSz cx="12192000" cy="6858000"/>
   <p:notesSz cx="6858000" cy="9144000"/>
@@ -4347,6 +4348,64 @@
     <p:extLst>
       <p:ext uri="{BB962C8B-B14F-4D97-AF65-F5344CB8AC3E}">
         <p14:creationId xmlns:p14="http://schemas.microsoft.com/office/powerpoint/2010/main" val="1079764137"/>
+      </p:ext>
+    </p:extLst>
+  </p:cSld>
+  <p:clrMapOvr>
+    <a:masterClrMapping/>
+  </p:clrMapOvr>
+</p:sld>
+</file>
+
+<file path=ppt/slides/slide14.xml><?xml version="1.0" encoding="utf-8"?>
+<p:sld xmlns:a="http://schemas.openxmlformats.org/drawingml/2006/main" xmlns:r="http://schemas.openxmlformats.org/officeDocument/2006/relationships" xmlns:p="http://schemas.openxmlformats.org/presentationml/2006/main">
+  <p:cSld>
+    <p:spTree>
+      <p:nvGrpSpPr>
+        <p:cNvPr id="1" name=""/>
+        <p:cNvGrpSpPr/>
+        <p:nvPr/>
+      </p:nvGrpSpPr>
+      <p:grpSpPr>
+        <a:xfrm>
+          <a:off x="0" y="0"/>
+          <a:ext cx="0" cy="0"/>
+          <a:chOff x="0" y="0"/>
+          <a:chExt cx="0" cy="0"/>
+        </a:xfrm>
+      </p:grpSpPr>
+      <p:sp>
+        <p:nvSpPr>
+          <p:cNvPr id="2" name="Title 1">
+            <a:extLst>
+              <a:ext uri="{FF2B5EF4-FFF2-40B4-BE49-F238E27FC236}">
+                <a16:creationId xmlns:a16="http://schemas.microsoft.com/office/drawing/2014/main" id="{98321035-A9B7-3D49-8934-E8B98A825DAA}"/>
+              </a:ext>
+            </a:extLst>
+          </p:cNvPr>
+          <p:cNvSpPr>
+            <a:spLocks noGrp="1"/>
+          </p:cNvSpPr>
+          <p:nvPr>
+            <p:ph type="title"/>
+          </p:nvPr>
+        </p:nvSpPr>
+        <p:spPr/>
+        <p:txBody>
+          <a:bodyPr/>
+          <a:lstStyle/>
+          <a:p>
+            <a:r>
+              <a:rPr lang="en-US" dirty="0"/>
+              <a:t>PART V</a:t>
+            </a:r>
+          </a:p>
+        </p:txBody>
+      </p:sp>
+    </p:spTree>
+    <p:extLst>
+      <p:ext uri="{BB962C8B-B14F-4D97-AF65-F5344CB8AC3E}">
+        <p14:creationId xmlns:p14="http://schemas.microsoft.com/office/powerpoint/2010/main" val="2213596322"/>
       </p:ext>
     </p:extLst>
   </p:cSld>

--- a/images/editable-images.pptx
+++ b/images/editable-images.pptx
@@ -5,7 +5,7 @@
     <p:sldMasterId id="2147483648" r:id="rId1"/>
   </p:sldMasterIdLst>
   <p:notesMasterIdLst>
-    <p:notesMasterId r:id="rId16"/>
+    <p:notesMasterId r:id="rId17"/>
   </p:notesMasterIdLst>
   <p:sldIdLst>
     <p:sldId id="259" r:id="rId2"/>
@@ -22,6 +22,7 @@
     <p:sldId id="267" r:id="rId13"/>
     <p:sldId id="268" r:id="rId14"/>
     <p:sldId id="269" r:id="rId15"/>
+    <p:sldId id="270" r:id="rId16"/>
   </p:sldIdLst>
   <p:sldSz cx="12192000" cy="6858000"/>
   <p:notesSz cx="6858000" cy="9144000"/>
@@ -4406,6 +4407,835 @@
     <p:extLst>
       <p:ext uri="{BB962C8B-B14F-4D97-AF65-F5344CB8AC3E}">
         <p14:creationId xmlns:p14="http://schemas.microsoft.com/office/powerpoint/2010/main" val="2213596322"/>
+      </p:ext>
+    </p:extLst>
+  </p:cSld>
+  <p:clrMapOvr>
+    <a:masterClrMapping/>
+  </p:clrMapOvr>
+</p:sld>
+</file>
+
+<file path=ppt/slides/slide15.xml><?xml version="1.0" encoding="utf-8"?>
+<p:sld xmlns:a="http://schemas.openxmlformats.org/drawingml/2006/main" xmlns:r="http://schemas.openxmlformats.org/officeDocument/2006/relationships" xmlns:p="http://schemas.openxmlformats.org/presentationml/2006/main">
+  <p:cSld>
+    <p:spTree>
+      <p:nvGrpSpPr>
+        <p:cNvPr id="1" name=""/>
+        <p:cNvGrpSpPr/>
+        <p:nvPr/>
+      </p:nvGrpSpPr>
+      <p:grpSpPr>
+        <a:xfrm>
+          <a:off x="0" y="0"/>
+          <a:ext cx="0" cy="0"/>
+          <a:chOff x="0" y="0"/>
+          <a:chExt cx="0" cy="0"/>
+        </a:xfrm>
+      </p:grpSpPr>
+      <p:sp>
+        <p:nvSpPr>
+          <p:cNvPr id="5" name="Rectangle 4">
+            <a:extLst>
+              <a:ext uri="{FF2B5EF4-FFF2-40B4-BE49-F238E27FC236}">
+                <a16:creationId xmlns:a16="http://schemas.microsoft.com/office/drawing/2014/main" id="{954463B7-C36D-6848-956E-092115CFC68E}"/>
+              </a:ext>
+            </a:extLst>
+          </p:cNvPr>
+          <p:cNvSpPr/>
+          <p:nvPr/>
+        </p:nvSpPr>
+        <p:spPr>
+          <a:xfrm>
+            <a:off x="1545770" y="1208314"/>
+            <a:ext cx="2405744" cy="674914"/>
+          </a:xfrm>
+          <a:prstGeom prst="rect">
+            <a:avLst/>
+          </a:prstGeom>
+          <a:solidFill>
+            <a:schemeClr val="bg1"/>
+          </a:solidFill>
+          <a:ln w="28575">
+            <a:solidFill>
+              <a:schemeClr val="tx1"/>
+            </a:solidFill>
+          </a:ln>
+        </p:spPr>
+        <p:style>
+          <a:lnRef idx="2">
+            <a:schemeClr val="accent1">
+              <a:shade val="50000"/>
+            </a:schemeClr>
+          </a:lnRef>
+          <a:fillRef idx="1">
+            <a:schemeClr val="accent1"/>
+          </a:fillRef>
+          <a:effectRef idx="0">
+            <a:schemeClr val="accent1"/>
+          </a:effectRef>
+          <a:fontRef idx="minor">
+            <a:schemeClr val="lt1"/>
+          </a:fontRef>
+        </p:style>
+        <p:txBody>
+          <a:bodyPr rtlCol="0" anchor="ctr"/>
+          <a:lstStyle/>
+          <a:p>
+            <a:pPr algn="ctr"/>
+            <a:r>
+              <a:rPr lang="en-US" sz="1600" dirty="0">
+                <a:solidFill>
+                  <a:schemeClr val="tx1"/>
+                </a:solidFill>
+              </a:rPr>
+              <a:t>UI</a:t>
+            </a:r>
+          </a:p>
+        </p:txBody>
+      </p:sp>
+      <p:sp>
+        <p:nvSpPr>
+          <p:cNvPr id="8" name="Rectangle 7">
+            <a:extLst>
+              <a:ext uri="{FF2B5EF4-FFF2-40B4-BE49-F238E27FC236}">
+                <a16:creationId xmlns:a16="http://schemas.microsoft.com/office/drawing/2014/main" id="{0BD9A17F-A63A-1F4C-BE9E-9E68572B8197}"/>
+              </a:ext>
+            </a:extLst>
+          </p:cNvPr>
+          <p:cNvSpPr/>
+          <p:nvPr/>
+        </p:nvSpPr>
+        <p:spPr>
+          <a:xfrm>
+            <a:off x="1545770" y="2111827"/>
+            <a:ext cx="2405744" cy="957943"/>
+          </a:xfrm>
+          <a:prstGeom prst="rect">
+            <a:avLst/>
+          </a:prstGeom>
+          <a:solidFill>
+            <a:schemeClr val="bg1"/>
+          </a:solidFill>
+          <a:ln w="28575">
+            <a:solidFill>
+              <a:schemeClr val="tx1"/>
+            </a:solidFill>
+          </a:ln>
+        </p:spPr>
+        <p:style>
+          <a:lnRef idx="2">
+            <a:schemeClr val="accent1">
+              <a:shade val="50000"/>
+            </a:schemeClr>
+          </a:lnRef>
+          <a:fillRef idx="1">
+            <a:schemeClr val="accent1"/>
+          </a:fillRef>
+          <a:effectRef idx="0">
+            <a:schemeClr val="accent1"/>
+          </a:effectRef>
+          <a:fontRef idx="minor">
+            <a:schemeClr val="lt1"/>
+          </a:fontRef>
+        </p:style>
+        <p:txBody>
+          <a:bodyPr rtlCol="0" anchor="ctr"/>
+          <a:lstStyle/>
+          <a:p>
+            <a:pPr algn="ctr"/>
+            <a:r>
+              <a:rPr lang="en-US" sz="1600" dirty="0">
+                <a:solidFill>
+                  <a:schemeClr val="tx1"/>
+                </a:solidFill>
+              </a:rPr>
+              <a:t>Application Specific Business Rules</a:t>
+            </a:r>
+            <a:br>
+              <a:rPr lang="en-US" sz="1600" dirty="0">
+                <a:solidFill>
+                  <a:schemeClr val="tx1"/>
+                </a:solidFill>
+              </a:rPr>
+            </a:br>
+            <a:r>
+              <a:rPr lang="en-US" sz="1600" dirty="0">
+                <a:solidFill>
+                  <a:schemeClr val="tx1"/>
+                </a:solidFill>
+              </a:rPr>
+              <a:t>(e.g. validations)</a:t>
+            </a:r>
+          </a:p>
+        </p:txBody>
+      </p:sp>
+      <p:sp>
+        <p:nvSpPr>
+          <p:cNvPr id="11" name="Rectangle 10">
+            <a:extLst>
+              <a:ext uri="{FF2B5EF4-FFF2-40B4-BE49-F238E27FC236}">
+                <a16:creationId xmlns:a16="http://schemas.microsoft.com/office/drawing/2014/main" id="{6AC0AD9D-1456-704B-B3FB-5D173A369BF9}"/>
+              </a:ext>
+            </a:extLst>
+          </p:cNvPr>
+          <p:cNvSpPr/>
+          <p:nvPr/>
+        </p:nvSpPr>
+        <p:spPr>
+          <a:xfrm>
+            <a:off x="1545770" y="3254826"/>
+            <a:ext cx="2405744" cy="1175657"/>
+          </a:xfrm>
+          <a:prstGeom prst="rect">
+            <a:avLst/>
+          </a:prstGeom>
+          <a:solidFill>
+            <a:schemeClr val="bg1"/>
+          </a:solidFill>
+          <a:ln w="28575">
+            <a:solidFill>
+              <a:schemeClr val="tx1"/>
+            </a:solidFill>
+          </a:ln>
+        </p:spPr>
+        <p:style>
+          <a:lnRef idx="2">
+            <a:schemeClr val="accent1">
+              <a:shade val="50000"/>
+            </a:schemeClr>
+          </a:lnRef>
+          <a:fillRef idx="1">
+            <a:schemeClr val="accent1"/>
+          </a:fillRef>
+          <a:effectRef idx="0">
+            <a:schemeClr val="accent1"/>
+          </a:effectRef>
+          <a:fontRef idx="minor">
+            <a:schemeClr val="lt1"/>
+          </a:fontRef>
+        </p:style>
+        <p:txBody>
+          <a:bodyPr rtlCol="0" anchor="ctr"/>
+          <a:lstStyle/>
+          <a:p>
+            <a:pPr algn="ctr"/>
+            <a:r>
+              <a:rPr lang="en-US" sz="1600" dirty="0">
+                <a:solidFill>
+                  <a:schemeClr val="tx1"/>
+                </a:solidFill>
+              </a:rPr>
+              <a:t>Application Independent Business Rules</a:t>
+            </a:r>
+            <a:br>
+              <a:rPr lang="en-US" sz="1600" dirty="0">
+                <a:solidFill>
+                  <a:schemeClr val="tx1"/>
+                </a:solidFill>
+              </a:rPr>
+            </a:br>
+            <a:r>
+              <a:rPr lang="en-US" sz="1600" dirty="0">
+                <a:solidFill>
+                  <a:schemeClr val="tx1"/>
+                </a:solidFill>
+              </a:rPr>
+              <a:t>(e.g. approval process)</a:t>
+            </a:r>
+          </a:p>
+        </p:txBody>
+      </p:sp>
+      <p:sp>
+        <p:nvSpPr>
+          <p:cNvPr id="12" name="Rectangle 11">
+            <a:extLst>
+              <a:ext uri="{FF2B5EF4-FFF2-40B4-BE49-F238E27FC236}">
+                <a16:creationId xmlns:a16="http://schemas.microsoft.com/office/drawing/2014/main" id="{6E882F4B-A190-C140-B891-56D19CBECE29}"/>
+              </a:ext>
+            </a:extLst>
+          </p:cNvPr>
+          <p:cNvSpPr/>
+          <p:nvPr/>
+        </p:nvSpPr>
+        <p:spPr>
+          <a:xfrm>
+            <a:off x="1545770" y="4615539"/>
+            <a:ext cx="2405744" cy="664028"/>
+          </a:xfrm>
+          <a:prstGeom prst="rect">
+            <a:avLst/>
+          </a:prstGeom>
+          <a:solidFill>
+            <a:schemeClr val="bg1"/>
+          </a:solidFill>
+          <a:ln w="28575">
+            <a:solidFill>
+              <a:schemeClr val="tx1"/>
+            </a:solidFill>
+          </a:ln>
+        </p:spPr>
+        <p:style>
+          <a:lnRef idx="2">
+            <a:schemeClr val="accent1">
+              <a:shade val="50000"/>
+            </a:schemeClr>
+          </a:lnRef>
+          <a:fillRef idx="1">
+            <a:schemeClr val="accent1"/>
+          </a:fillRef>
+          <a:effectRef idx="0">
+            <a:schemeClr val="accent1"/>
+          </a:effectRef>
+          <a:fontRef idx="minor">
+            <a:schemeClr val="lt1"/>
+          </a:fontRef>
+        </p:style>
+        <p:txBody>
+          <a:bodyPr rtlCol="0" anchor="ctr"/>
+          <a:lstStyle/>
+          <a:p>
+            <a:pPr algn="ctr"/>
+            <a:r>
+              <a:rPr lang="en-US" sz="1600" dirty="0">
+                <a:solidFill>
+                  <a:schemeClr val="tx1"/>
+                </a:solidFill>
+              </a:rPr>
+              <a:t>Persistence</a:t>
+            </a:r>
+          </a:p>
+        </p:txBody>
+      </p:sp>
+      <p:sp>
+        <p:nvSpPr>
+          <p:cNvPr id="13" name="Rectangle 12">
+            <a:extLst>
+              <a:ext uri="{FF2B5EF4-FFF2-40B4-BE49-F238E27FC236}">
+                <a16:creationId xmlns:a16="http://schemas.microsoft.com/office/drawing/2014/main" id="{0AF92550-6A8B-3A4E-8261-60B138EBE887}"/>
+              </a:ext>
+            </a:extLst>
+          </p:cNvPr>
+          <p:cNvSpPr/>
+          <p:nvPr/>
+        </p:nvSpPr>
+        <p:spPr>
+          <a:xfrm>
+            <a:off x="1545770" y="5540828"/>
+            <a:ext cx="2405744" cy="664028"/>
+          </a:xfrm>
+          <a:prstGeom prst="rect">
+            <a:avLst/>
+          </a:prstGeom>
+          <a:solidFill>
+            <a:schemeClr val="bg1"/>
+          </a:solidFill>
+          <a:ln w="28575">
+            <a:solidFill>
+              <a:schemeClr val="tx1"/>
+            </a:solidFill>
+          </a:ln>
+        </p:spPr>
+        <p:style>
+          <a:lnRef idx="2">
+            <a:schemeClr val="accent1">
+              <a:shade val="50000"/>
+            </a:schemeClr>
+          </a:lnRef>
+          <a:fillRef idx="1">
+            <a:schemeClr val="accent1"/>
+          </a:fillRef>
+          <a:effectRef idx="0">
+            <a:schemeClr val="accent1"/>
+          </a:effectRef>
+          <a:fontRef idx="minor">
+            <a:schemeClr val="lt1"/>
+          </a:fontRef>
+        </p:style>
+        <p:txBody>
+          <a:bodyPr rtlCol="0" anchor="ctr"/>
+          <a:lstStyle/>
+          <a:p>
+            <a:pPr algn="ctr"/>
+            <a:r>
+              <a:rPr lang="en-US" sz="1600" dirty="0">
+                <a:solidFill>
+                  <a:schemeClr val="tx1"/>
+                </a:solidFill>
+              </a:rPr>
+              <a:t>… among others…</a:t>
+            </a:r>
+          </a:p>
+        </p:txBody>
+      </p:sp>
+      <p:sp>
+        <p:nvSpPr>
+          <p:cNvPr id="14" name="Rectangle 13">
+            <a:extLst>
+              <a:ext uri="{FF2B5EF4-FFF2-40B4-BE49-F238E27FC236}">
+                <a16:creationId xmlns:a16="http://schemas.microsoft.com/office/drawing/2014/main" id="{DC5211A2-FD9E-754C-BDE0-B07ED56CDEC5}"/>
+              </a:ext>
+            </a:extLst>
+          </p:cNvPr>
+          <p:cNvSpPr/>
+          <p:nvPr/>
+        </p:nvSpPr>
+        <p:spPr>
+          <a:xfrm>
+            <a:off x="4495799" y="1208314"/>
+            <a:ext cx="2405744" cy="674914"/>
+          </a:xfrm>
+          <a:prstGeom prst="rect">
+            <a:avLst/>
+          </a:prstGeom>
+          <a:solidFill>
+            <a:schemeClr val="bg1"/>
+          </a:solidFill>
+          <a:ln w="28575">
+            <a:solidFill>
+              <a:schemeClr val="tx1"/>
+            </a:solidFill>
+          </a:ln>
+        </p:spPr>
+        <p:style>
+          <a:lnRef idx="2">
+            <a:schemeClr val="accent1">
+              <a:shade val="50000"/>
+            </a:schemeClr>
+          </a:lnRef>
+          <a:fillRef idx="1">
+            <a:schemeClr val="accent1"/>
+          </a:fillRef>
+          <a:effectRef idx="0">
+            <a:schemeClr val="accent1"/>
+          </a:effectRef>
+          <a:fontRef idx="minor">
+            <a:schemeClr val="lt1"/>
+          </a:fontRef>
+        </p:style>
+        <p:txBody>
+          <a:bodyPr rtlCol="0" anchor="ctr"/>
+          <a:lstStyle/>
+          <a:p>
+            <a:pPr algn="ctr"/>
+            <a:r>
+              <a:rPr lang="en-US" sz="1600" dirty="0">
+                <a:solidFill>
+                  <a:schemeClr val="tx1"/>
+                </a:solidFill>
+              </a:rPr>
+              <a:t>UI</a:t>
+            </a:r>
+          </a:p>
+        </p:txBody>
+      </p:sp>
+      <p:sp>
+        <p:nvSpPr>
+          <p:cNvPr id="15" name="Rectangle 14">
+            <a:extLst>
+              <a:ext uri="{FF2B5EF4-FFF2-40B4-BE49-F238E27FC236}">
+                <a16:creationId xmlns:a16="http://schemas.microsoft.com/office/drawing/2014/main" id="{B444E70C-3BF8-B440-B9F4-48F20C8485CB}"/>
+              </a:ext>
+            </a:extLst>
+          </p:cNvPr>
+          <p:cNvSpPr/>
+          <p:nvPr/>
+        </p:nvSpPr>
+        <p:spPr>
+          <a:xfrm>
+            <a:off x="4495799" y="2111827"/>
+            <a:ext cx="2405744" cy="957943"/>
+          </a:xfrm>
+          <a:prstGeom prst="rect">
+            <a:avLst/>
+          </a:prstGeom>
+          <a:solidFill>
+            <a:schemeClr val="bg1"/>
+          </a:solidFill>
+          <a:ln w="28575">
+            <a:solidFill>
+              <a:schemeClr val="tx1"/>
+            </a:solidFill>
+          </a:ln>
+        </p:spPr>
+        <p:style>
+          <a:lnRef idx="2">
+            <a:schemeClr val="accent1">
+              <a:shade val="50000"/>
+            </a:schemeClr>
+          </a:lnRef>
+          <a:fillRef idx="1">
+            <a:schemeClr val="accent1"/>
+          </a:fillRef>
+          <a:effectRef idx="0">
+            <a:schemeClr val="accent1"/>
+          </a:effectRef>
+          <a:fontRef idx="minor">
+            <a:schemeClr val="lt1"/>
+          </a:fontRef>
+        </p:style>
+        <p:txBody>
+          <a:bodyPr rtlCol="0" anchor="ctr"/>
+          <a:lstStyle/>
+          <a:p>
+            <a:pPr algn="ctr"/>
+            <a:r>
+              <a:rPr lang="en-US" sz="1600" dirty="0">
+                <a:solidFill>
+                  <a:schemeClr val="tx1"/>
+                </a:solidFill>
+              </a:rPr>
+              <a:t>Application Specific Business Rules</a:t>
+            </a:r>
+            <a:br>
+              <a:rPr lang="en-US" sz="1600" dirty="0">
+                <a:solidFill>
+                  <a:schemeClr val="tx1"/>
+                </a:solidFill>
+              </a:rPr>
+            </a:br>
+            <a:r>
+              <a:rPr lang="en-US" sz="1600" dirty="0">
+                <a:solidFill>
+                  <a:schemeClr val="tx1"/>
+                </a:solidFill>
+              </a:rPr>
+              <a:t>(e.g. validations)</a:t>
+            </a:r>
+          </a:p>
+        </p:txBody>
+      </p:sp>
+      <p:sp>
+        <p:nvSpPr>
+          <p:cNvPr id="16" name="Rectangle 15">
+            <a:extLst>
+              <a:ext uri="{FF2B5EF4-FFF2-40B4-BE49-F238E27FC236}">
+                <a16:creationId xmlns:a16="http://schemas.microsoft.com/office/drawing/2014/main" id="{608A7BDA-1011-3D4E-B591-C264D86B98CD}"/>
+              </a:ext>
+            </a:extLst>
+          </p:cNvPr>
+          <p:cNvSpPr/>
+          <p:nvPr/>
+        </p:nvSpPr>
+        <p:spPr>
+          <a:xfrm>
+            <a:off x="4495799" y="3254826"/>
+            <a:ext cx="2405744" cy="1175657"/>
+          </a:xfrm>
+          <a:prstGeom prst="rect">
+            <a:avLst/>
+          </a:prstGeom>
+          <a:solidFill>
+            <a:schemeClr val="bg1"/>
+          </a:solidFill>
+          <a:ln w="28575">
+            <a:solidFill>
+              <a:schemeClr val="tx1"/>
+            </a:solidFill>
+          </a:ln>
+        </p:spPr>
+        <p:style>
+          <a:lnRef idx="2">
+            <a:schemeClr val="accent1">
+              <a:shade val="50000"/>
+            </a:schemeClr>
+          </a:lnRef>
+          <a:fillRef idx="1">
+            <a:schemeClr val="accent1"/>
+          </a:fillRef>
+          <a:effectRef idx="0">
+            <a:schemeClr val="accent1"/>
+          </a:effectRef>
+          <a:fontRef idx="minor">
+            <a:schemeClr val="lt1"/>
+          </a:fontRef>
+        </p:style>
+        <p:txBody>
+          <a:bodyPr rtlCol="0" anchor="ctr"/>
+          <a:lstStyle/>
+          <a:p>
+            <a:pPr algn="ctr"/>
+            <a:r>
+              <a:rPr lang="en-US" sz="1600" dirty="0">
+                <a:solidFill>
+                  <a:schemeClr val="tx1"/>
+                </a:solidFill>
+              </a:rPr>
+              <a:t>Application Independent Business Rules</a:t>
+            </a:r>
+            <a:br>
+              <a:rPr lang="en-US" sz="1600" dirty="0">
+                <a:solidFill>
+                  <a:schemeClr val="tx1"/>
+                </a:solidFill>
+              </a:rPr>
+            </a:br>
+            <a:r>
+              <a:rPr lang="en-US" sz="1600" dirty="0">
+                <a:solidFill>
+                  <a:schemeClr val="tx1"/>
+                </a:solidFill>
+              </a:rPr>
+              <a:t>(e.g. refund process)</a:t>
+            </a:r>
+          </a:p>
+        </p:txBody>
+      </p:sp>
+      <p:sp>
+        <p:nvSpPr>
+          <p:cNvPr id="17" name="Rectangle 16">
+            <a:extLst>
+              <a:ext uri="{FF2B5EF4-FFF2-40B4-BE49-F238E27FC236}">
+                <a16:creationId xmlns:a16="http://schemas.microsoft.com/office/drawing/2014/main" id="{64F3AADE-4203-BB46-989D-62F7758B7503}"/>
+              </a:ext>
+            </a:extLst>
+          </p:cNvPr>
+          <p:cNvSpPr/>
+          <p:nvPr/>
+        </p:nvSpPr>
+        <p:spPr>
+          <a:xfrm>
+            <a:off x="4495799" y="4615539"/>
+            <a:ext cx="2405744" cy="664028"/>
+          </a:xfrm>
+          <a:prstGeom prst="rect">
+            <a:avLst/>
+          </a:prstGeom>
+          <a:solidFill>
+            <a:schemeClr val="bg1"/>
+          </a:solidFill>
+          <a:ln w="28575">
+            <a:solidFill>
+              <a:schemeClr val="tx1"/>
+            </a:solidFill>
+          </a:ln>
+        </p:spPr>
+        <p:style>
+          <a:lnRef idx="2">
+            <a:schemeClr val="accent1">
+              <a:shade val="50000"/>
+            </a:schemeClr>
+          </a:lnRef>
+          <a:fillRef idx="1">
+            <a:schemeClr val="accent1"/>
+          </a:fillRef>
+          <a:effectRef idx="0">
+            <a:schemeClr val="accent1"/>
+          </a:effectRef>
+          <a:fontRef idx="minor">
+            <a:schemeClr val="lt1"/>
+          </a:fontRef>
+        </p:style>
+        <p:txBody>
+          <a:bodyPr rtlCol="0" anchor="ctr"/>
+          <a:lstStyle/>
+          <a:p>
+            <a:pPr algn="ctr"/>
+            <a:r>
+              <a:rPr lang="en-US" sz="1600" dirty="0">
+                <a:solidFill>
+                  <a:schemeClr val="tx1"/>
+                </a:solidFill>
+              </a:rPr>
+              <a:t>Persistence</a:t>
+            </a:r>
+          </a:p>
+        </p:txBody>
+      </p:sp>
+      <p:sp>
+        <p:nvSpPr>
+          <p:cNvPr id="18" name="Rectangle 17">
+            <a:extLst>
+              <a:ext uri="{FF2B5EF4-FFF2-40B4-BE49-F238E27FC236}">
+                <a16:creationId xmlns:a16="http://schemas.microsoft.com/office/drawing/2014/main" id="{1401A3B1-0D9A-3E4C-A6D3-C4E9BD0F4ACF}"/>
+              </a:ext>
+            </a:extLst>
+          </p:cNvPr>
+          <p:cNvSpPr/>
+          <p:nvPr/>
+        </p:nvSpPr>
+        <p:spPr>
+          <a:xfrm>
+            <a:off x="4495799" y="5540828"/>
+            <a:ext cx="2405744" cy="664028"/>
+          </a:xfrm>
+          <a:prstGeom prst="rect">
+            <a:avLst/>
+          </a:prstGeom>
+          <a:solidFill>
+            <a:schemeClr val="bg1"/>
+          </a:solidFill>
+          <a:ln w="28575">
+            <a:solidFill>
+              <a:schemeClr val="tx1"/>
+            </a:solidFill>
+          </a:ln>
+        </p:spPr>
+        <p:style>
+          <a:lnRef idx="2">
+            <a:schemeClr val="accent1">
+              <a:shade val="50000"/>
+            </a:schemeClr>
+          </a:lnRef>
+          <a:fillRef idx="1">
+            <a:schemeClr val="accent1"/>
+          </a:fillRef>
+          <a:effectRef idx="0">
+            <a:schemeClr val="accent1"/>
+          </a:effectRef>
+          <a:fontRef idx="minor">
+            <a:schemeClr val="lt1"/>
+          </a:fontRef>
+        </p:style>
+        <p:txBody>
+          <a:bodyPr rtlCol="0" anchor="ctr"/>
+          <a:lstStyle/>
+          <a:p>
+            <a:pPr algn="ctr"/>
+            <a:r>
+              <a:rPr lang="en-US" sz="1600" dirty="0">
+                <a:solidFill>
+                  <a:schemeClr val="tx1"/>
+                </a:solidFill>
+              </a:rPr>
+              <a:t>… among others…</a:t>
+            </a:r>
+          </a:p>
+        </p:txBody>
+      </p:sp>
+      <p:cxnSp>
+        <p:nvCxnSpPr>
+          <p:cNvPr id="20" name="Straight Connector 19">
+            <a:extLst>
+              <a:ext uri="{FF2B5EF4-FFF2-40B4-BE49-F238E27FC236}">
+                <a16:creationId xmlns:a16="http://schemas.microsoft.com/office/drawing/2014/main" id="{23F53C59-8B7D-A54E-8672-AD7A725DE1C5}"/>
+              </a:ext>
+            </a:extLst>
+          </p:cNvPr>
+          <p:cNvCxnSpPr>
+            <a:cxnSpLocks/>
+          </p:cNvCxnSpPr>
+          <p:nvPr/>
+        </p:nvCxnSpPr>
+        <p:spPr>
+          <a:xfrm>
+            <a:off x="4212771" y="555171"/>
+            <a:ext cx="0" cy="5649685"/>
+          </a:xfrm>
+          <a:prstGeom prst="line">
+            <a:avLst/>
+          </a:prstGeom>
+          <a:ln w="28575">
+            <a:solidFill>
+              <a:schemeClr val="tx1"/>
+            </a:solidFill>
+          </a:ln>
+        </p:spPr>
+        <p:style>
+          <a:lnRef idx="1">
+            <a:schemeClr val="dk1"/>
+          </a:lnRef>
+          <a:fillRef idx="0">
+            <a:schemeClr val="dk1"/>
+          </a:fillRef>
+          <a:effectRef idx="0">
+            <a:schemeClr val="dk1"/>
+          </a:effectRef>
+          <a:fontRef idx="minor">
+            <a:schemeClr val="tx1"/>
+          </a:fontRef>
+        </p:style>
+      </p:cxnSp>
+      <p:sp>
+        <p:nvSpPr>
+          <p:cNvPr id="23" name="TextBox 22">
+            <a:extLst>
+              <a:ext uri="{FF2B5EF4-FFF2-40B4-BE49-F238E27FC236}">
+                <a16:creationId xmlns:a16="http://schemas.microsoft.com/office/drawing/2014/main" id="{2B45B73D-F9B6-224D-BDFF-941806B869F7}"/>
+              </a:ext>
+            </a:extLst>
+          </p:cNvPr>
+          <p:cNvSpPr txBox="1"/>
+          <p:nvPr/>
+        </p:nvSpPr>
+        <p:spPr>
+          <a:xfrm>
+            <a:off x="2176211" y="447683"/>
+            <a:ext cx="1144865" cy="646331"/>
+          </a:xfrm>
+          <a:prstGeom prst="rect">
+            <a:avLst/>
+          </a:prstGeom>
+          <a:noFill/>
+        </p:spPr>
+        <p:txBody>
+          <a:bodyPr wrap="none" rtlCol="0">
+            <a:spAutoFit/>
+          </a:bodyPr>
+          <a:lstStyle/>
+          <a:p>
+            <a:pPr algn="ctr"/>
+            <a:r>
+              <a:rPr lang="en-US" i="1" dirty="0"/>
+              <a:t>Use Case:</a:t>
+            </a:r>
+            <a:br>
+              <a:rPr lang="en-US" i="1" dirty="0"/>
+            </a:br>
+            <a:r>
+              <a:rPr lang="en-US" i="1" dirty="0"/>
+              <a:t>Add Order</a:t>
+            </a:r>
+          </a:p>
+        </p:txBody>
+      </p:sp>
+      <p:sp>
+        <p:nvSpPr>
+          <p:cNvPr id="24" name="TextBox 23">
+            <a:extLst>
+              <a:ext uri="{FF2B5EF4-FFF2-40B4-BE49-F238E27FC236}">
+                <a16:creationId xmlns:a16="http://schemas.microsoft.com/office/drawing/2014/main" id="{CEDA5B03-024F-0C4B-9A25-9C6339D4E8E3}"/>
+              </a:ext>
+            </a:extLst>
+          </p:cNvPr>
+          <p:cNvSpPr txBox="1"/>
+          <p:nvPr/>
+        </p:nvSpPr>
+        <p:spPr>
+          <a:xfrm>
+            <a:off x="4989311" y="469455"/>
+            <a:ext cx="1375185" cy="646331"/>
+          </a:xfrm>
+          <a:prstGeom prst="rect">
+            <a:avLst/>
+          </a:prstGeom>
+          <a:noFill/>
+        </p:spPr>
+        <p:txBody>
+          <a:bodyPr wrap="none" rtlCol="0">
+            <a:spAutoFit/>
+          </a:bodyPr>
+          <a:lstStyle/>
+          <a:p>
+            <a:pPr algn="ctr"/>
+            <a:r>
+              <a:rPr lang="en-US" i="1" dirty="0"/>
+              <a:t>Use Case:</a:t>
+            </a:r>
+            <a:br>
+              <a:rPr lang="en-US" i="1" dirty="0"/>
+            </a:br>
+            <a:r>
+              <a:rPr lang="en-US" i="1" dirty="0"/>
+              <a:t>Delete Order</a:t>
+            </a:r>
+          </a:p>
+        </p:txBody>
+      </p:sp>
+    </p:spTree>
+    <p:extLst>
+      <p:ext uri="{BB962C8B-B14F-4D97-AF65-F5344CB8AC3E}">
+        <p14:creationId xmlns:p14="http://schemas.microsoft.com/office/powerpoint/2010/main" val="1712700899"/>
       </p:ext>
     </p:extLst>
   </p:cSld>

--- a/images/editable-images.pptx
+++ b/images/editable-images.pptx
@@ -5,7 +5,7 @@
     <p:sldMasterId id="2147483648" r:id="rId1"/>
   </p:sldMasterIdLst>
   <p:notesMasterIdLst>
-    <p:notesMasterId r:id="rId17"/>
+    <p:notesMasterId r:id="rId18"/>
   </p:notesMasterIdLst>
   <p:sldIdLst>
     <p:sldId id="259" r:id="rId2"/>
@@ -23,6 +23,7 @@
     <p:sldId id="268" r:id="rId14"/>
     <p:sldId id="269" r:id="rId15"/>
     <p:sldId id="270" r:id="rId16"/>
+    <p:sldId id="271" r:id="rId17"/>
   </p:sldIdLst>
   <p:sldSz cx="12192000" cy="6858000"/>
   <p:notesSz cx="6858000" cy="9144000"/>
@@ -5236,6 +5237,124 @@
     <p:extLst>
       <p:ext uri="{BB962C8B-B14F-4D97-AF65-F5344CB8AC3E}">
         <p14:creationId xmlns:p14="http://schemas.microsoft.com/office/powerpoint/2010/main" val="1712700899"/>
+      </p:ext>
+    </p:extLst>
+  </p:cSld>
+  <p:clrMapOvr>
+    <a:masterClrMapping/>
+  </p:clrMapOvr>
+</p:sld>
+</file>
+
+<file path=ppt/slides/slide16.xml><?xml version="1.0" encoding="utf-8"?>
+<p:sld xmlns:a="http://schemas.openxmlformats.org/drawingml/2006/main" xmlns:r="http://schemas.openxmlformats.org/officeDocument/2006/relationships" xmlns:p="http://schemas.openxmlformats.org/presentationml/2006/main">
+  <p:cSld>
+    <p:spTree>
+      <p:nvGrpSpPr>
+        <p:cNvPr id="1" name=""/>
+        <p:cNvGrpSpPr/>
+        <p:nvPr/>
+      </p:nvGrpSpPr>
+      <p:grpSpPr>
+        <a:xfrm>
+          <a:off x="0" y="0"/>
+          <a:ext cx="0" cy="0"/>
+          <a:chOff x="0" y="0"/>
+          <a:chExt cx="0" cy="0"/>
+        </a:xfrm>
+      </p:grpSpPr>
+      <p:pic>
+        <p:nvPicPr>
+          <p:cNvPr id="2" name="Picture 1">
+            <a:extLst>
+              <a:ext uri="{FF2B5EF4-FFF2-40B4-BE49-F238E27FC236}">
+                <a16:creationId xmlns:a16="http://schemas.microsoft.com/office/drawing/2014/main" id="{5C721BD6-CBC2-B740-B923-1E4AF51FB61D}"/>
+              </a:ext>
+            </a:extLst>
+          </p:cNvPr>
+          <p:cNvPicPr>
+            <a:picLocks noChangeAspect="1"/>
+          </p:cNvPicPr>
+          <p:nvPr/>
+        </p:nvPicPr>
+        <p:blipFill>
+          <a:blip r:embed="rId2"/>
+          <a:stretch>
+            <a:fillRect/>
+          </a:stretch>
+        </p:blipFill>
+        <p:spPr>
+          <a:xfrm>
+            <a:off x="2938235" y="1098551"/>
+            <a:ext cx="6083300" cy="3746500"/>
+          </a:xfrm>
+          <a:prstGeom prst="rect">
+            <a:avLst/>
+          </a:prstGeom>
+        </p:spPr>
+      </p:pic>
+      <p:sp>
+        <p:nvSpPr>
+          <p:cNvPr id="3" name="TextBox 2">
+            <a:extLst>
+              <a:ext uri="{FF2B5EF4-FFF2-40B4-BE49-F238E27FC236}">
+                <a16:creationId xmlns:a16="http://schemas.microsoft.com/office/drawing/2014/main" id="{98DD9A59-0AB1-AB4E-8642-C80986222A4A}"/>
+              </a:ext>
+            </a:extLst>
+          </p:cNvPr>
+          <p:cNvSpPr txBox="1"/>
+          <p:nvPr/>
+        </p:nvSpPr>
+        <p:spPr>
+          <a:xfrm>
+            <a:off x="2618487" y="5113118"/>
+            <a:ext cx="6635278" cy="646331"/>
+          </a:xfrm>
+          <a:prstGeom prst="rect">
+            <a:avLst/>
+          </a:prstGeom>
+          <a:noFill/>
+        </p:spPr>
+        <p:txBody>
+          <a:bodyPr wrap="none" rtlCol="0">
+            <a:spAutoFit/>
+          </a:bodyPr>
+          <a:lstStyle/>
+          <a:p>
+            <a:r>
+              <a:rPr lang="en-US" dirty="0"/>
+              <a:t>The DB and the GUI components </a:t>
+            </a:r>
+            <a:r>
+              <a:rPr lang="en-US" b="1" dirty="0"/>
+              <a:t>act as plugins</a:t>
+            </a:r>
+            <a:r>
+              <a:rPr lang="en-US" dirty="0"/>
+              <a:t> to the business rules.</a:t>
+            </a:r>
+            <a:br>
+              <a:rPr lang="en-US" dirty="0"/>
+            </a:br>
+            <a:r>
+              <a:rPr lang="en-US" dirty="0"/>
+              <a:t>This establishes a</a:t>
+            </a:r>
+            <a:r>
+              <a:rPr lang="en-US" b="1" dirty="0"/>
+              <a:t> </a:t>
+            </a:r>
+            <a:r>
+              <a:rPr lang="en-US" dirty="0"/>
+              <a:t>pattern for the other components of the system.</a:t>
+            </a:r>
+          </a:p>
+        </p:txBody>
+      </p:sp>
+    </p:spTree>
+    <p:extLst>
+      <p:ext uri="{BB962C8B-B14F-4D97-AF65-F5344CB8AC3E}">
+        <p14:creationId xmlns:p14="http://schemas.microsoft.com/office/powerpoint/2010/main" val="850565963"/>
       </p:ext>
     </p:extLst>
   </p:cSld>

--- a/images/editable-images.pptx
+++ b/images/editable-images.pptx
@@ -5,7 +5,7 @@
     <p:sldMasterId id="2147483648" r:id="rId1"/>
   </p:sldMasterIdLst>
   <p:notesMasterIdLst>
-    <p:notesMasterId r:id="rId18"/>
+    <p:notesMasterId r:id="rId19"/>
   </p:notesMasterIdLst>
   <p:sldIdLst>
     <p:sldId id="259" r:id="rId2"/>
@@ -24,6 +24,7 @@
     <p:sldId id="269" r:id="rId15"/>
     <p:sldId id="270" r:id="rId16"/>
     <p:sldId id="271" r:id="rId17"/>
+    <p:sldId id="272" r:id="rId18"/>
   </p:sldIdLst>
   <p:sldSz cx="12192000" cy="6858000"/>
   <p:notesSz cx="6858000" cy="9144000"/>
@@ -5355,6 +5356,185 @@
     <p:extLst>
       <p:ext uri="{BB962C8B-B14F-4D97-AF65-F5344CB8AC3E}">
         <p14:creationId xmlns:p14="http://schemas.microsoft.com/office/powerpoint/2010/main" val="850565963"/>
+      </p:ext>
+    </p:extLst>
+  </p:cSld>
+  <p:clrMapOvr>
+    <a:masterClrMapping/>
+  </p:clrMapOvr>
+</p:sld>
+</file>
+
+<file path=ppt/slides/slide17.xml><?xml version="1.0" encoding="utf-8"?>
+<p:sld xmlns:a="http://schemas.openxmlformats.org/drawingml/2006/main" xmlns:r="http://schemas.openxmlformats.org/officeDocument/2006/relationships" xmlns:p="http://schemas.openxmlformats.org/presentationml/2006/main">
+  <p:cSld>
+    <p:spTree>
+      <p:nvGrpSpPr>
+        <p:cNvPr id="1" name=""/>
+        <p:cNvGrpSpPr/>
+        <p:nvPr/>
+      </p:nvGrpSpPr>
+      <p:grpSpPr>
+        <a:xfrm>
+          <a:off x="0" y="0"/>
+          <a:ext cx="0" cy="0"/>
+          <a:chOff x="0" y="0"/>
+          <a:chExt cx="0" cy="0"/>
+        </a:xfrm>
+      </p:grpSpPr>
+      <p:pic>
+        <p:nvPicPr>
+          <p:cNvPr id="4" name="Picture 3">
+            <a:extLst>
+              <a:ext uri="{FF2B5EF4-FFF2-40B4-BE49-F238E27FC236}">
+                <a16:creationId xmlns:a16="http://schemas.microsoft.com/office/drawing/2014/main" id="{A9441CA6-0A2C-6B47-B58C-03D59287B9D1}"/>
+              </a:ext>
+            </a:extLst>
+          </p:cNvPr>
+          <p:cNvPicPr>
+            <a:picLocks noChangeAspect="1"/>
+          </p:cNvPicPr>
+          <p:nvPr/>
+        </p:nvPicPr>
+        <p:blipFill>
+          <a:blip r:embed="rId2"/>
+          <a:stretch>
+            <a:fillRect/>
+          </a:stretch>
+        </p:blipFill>
+        <p:spPr>
+          <a:xfrm>
+            <a:off x="822779" y="1676400"/>
+            <a:ext cx="6540500" cy="4927600"/>
+          </a:xfrm>
+          <a:prstGeom prst="rect">
+            <a:avLst/>
+          </a:prstGeom>
+        </p:spPr>
+      </p:pic>
+      <p:sp>
+        <p:nvSpPr>
+          <p:cNvPr id="5" name="TextBox 4">
+            <a:extLst>
+              <a:ext uri="{FF2B5EF4-FFF2-40B4-BE49-F238E27FC236}">
+                <a16:creationId xmlns:a16="http://schemas.microsoft.com/office/drawing/2014/main" id="{9DE78518-F0D1-5943-A1C8-6512875F6F46}"/>
+              </a:ext>
+            </a:extLst>
+          </p:cNvPr>
+          <p:cNvSpPr txBox="1"/>
+          <p:nvPr/>
+        </p:nvSpPr>
+        <p:spPr>
+          <a:xfrm>
+            <a:off x="7707087" y="5370286"/>
+            <a:ext cx="2365828" cy="646331"/>
+          </a:xfrm>
+          <a:prstGeom prst="rect">
+            <a:avLst/>
+          </a:prstGeom>
+          <a:noFill/>
+        </p:spPr>
+        <p:txBody>
+          <a:bodyPr wrap="square" rtlCol="0">
+            <a:spAutoFit/>
+          </a:bodyPr>
+          <a:lstStyle/>
+          <a:p>
+            <a:r>
+              <a:rPr lang="en-US" b="1" dirty="0"/>
+              <a:t>Use Cases</a:t>
+            </a:r>
+            <a:r>
+              <a:rPr lang="en-US" dirty="0"/>
+              <a:t> coordinate the use of </a:t>
+            </a:r>
+            <a:r>
+              <a:rPr lang="en-US" b="1" dirty="0"/>
+              <a:t>Entities</a:t>
+            </a:r>
+          </a:p>
+        </p:txBody>
+      </p:sp>
+      <p:cxnSp>
+        <p:nvCxnSpPr>
+          <p:cNvPr id="7" name="Straight Arrow Connector 6">
+            <a:extLst>
+              <a:ext uri="{FF2B5EF4-FFF2-40B4-BE49-F238E27FC236}">
+                <a16:creationId xmlns:a16="http://schemas.microsoft.com/office/drawing/2014/main" id="{3234F25D-E5BE-3342-B0F2-E56BB162B4F4}"/>
+              </a:ext>
+            </a:extLst>
+          </p:cNvPr>
+          <p:cNvCxnSpPr>
+            <a:endCxn id="5" idx="1"/>
+          </p:cNvCxnSpPr>
+          <p:nvPr/>
+        </p:nvCxnSpPr>
+        <p:spPr>
+          <a:xfrm>
+            <a:off x="4354286" y="5646057"/>
+            <a:ext cx="3352801" cy="47395"/>
+          </a:xfrm>
+          <a:prstGeom prst="straightConnector1">
+            <a:avLst/>
+          </a:prstGeom>
+          <a:ln w="12700">
+            <a:tailEnd type="triangle"/>
+          </a:ln>
+        </p:spPr>
+        <p:style>
+          <a:lnRef idx="1">
+            <a:schemeClr val="dk1"/>
+          </a:lnRef>
+          <a:fillRef idx="0">
+            <a:schemeClr val="dk1"/>
+          </a:fillRef>
+          <a:effectRef idx="0">
+            <a:schemeClr val="dk1"/>
+          </a:effectRef>
+          <a:fontRef idx="minor">
+            <a:schemeClr val="tx1"/>
+          </a:fontRef>
+        </p:style>
+      </p:cxnSp>
+      <p:sp>
+        <p:nvSpPr>
+          <p:cNvPr id="8" name="TextBox 7">
+            <a:extLst>
+              <a:ext uri="{FF2B5EF4-FFF2-40B4-BE49-F238E27FC236}">
+                <a16:creationId xmlns:a16="http://schemas.microsoft.com/office/drawing/2014/main" id="{1EE36609-D2AE-7043-8472-D0A6A5E7A31A}"/>
+              </a:ext>
+            </a:extLst>
+          </p:cNvPr>
+          <p:cNvSpPr txBox="1"/>
+          <p:nvPr/>
+        </p:nvSpPr>
+        <p:spPr>
+          <a:xfrm>
+            <a:off x="925286" y="1015295"/>
+            <a:ext cx="3614056" cy="523220"/>
+          </a:xfrm>
+          <a:prstGeom prst="rect">
+            <a:avLst/>
+          </a:prstGeom>
+          <a:noFill/>
+        </p:spPr>
+        <p:txBody>
+          <a:bodyPr wrap="square" rtlCol="0">
+            <a:spAutoFit/>
+          </a:bodyPr>
+          <a:lstStyle/>
+          <a:p>
+            <a:r>
+              <a:rPr lang="en-US" sz="2800" b="1" dirty="0"/>
+              <a:t>Use Case Example</a:t>
+            </a:r>
+          </a:p>
+        </p:txBody>
+      </p:sp>
+    </p:spTree>
+    <p:extLst>
+      <p:ext uri="{BB962C8B-B14F-4D97-AF65-F5344CB8AC3E}">
+        <p14:creationId xmlns:p14="http://schemas.microsoft.com/office/powerpoint/2010/main" val="1131985257"/>
       </p:ext>
     </p:extLst>
   </p:cSld>

--- a/images/editable-images.pptx
+++ b/images/editable-images.pptx
@@ -5,7 +5,7 @@
     <p:sldMasterId id="2147483648" r:id="rId1"/>
   </p:sldMasterIdLst>
   <p:notesMasterIdLst>
-    <p:notesMasterId r:id="rId19"/>
+    <p:notesMasterId r:id="rId21"/>
   </p:notesMasterIdLst>
   <p:sldIdLst>
     <p:sldId id="259" r:id="rId2"/>
@@ -25,6 +25,8 @@
     <p:sldId id="270" r:id="rId16"/>
     <p:sldId id="271" r:id="rId17"/>
     <p:sldId id="272" r:id="rId18"/>
+    <p:sldId id="273" r:id="rId19"/>
+    <p:sldId id="274" r:id="rId20"/>
   </p:sldIdLst>
   <p:sldSz cx="12192000" cy="6858000"/>
   <p:notesSz cx="6858000" cy="9144000"/>
@@ -5535,6 +5537,276 @@
     <p:extLst>
       <p:ext uri="{BB962C8B-B14F-4D97-AF65-F5344CB8AC3E}">
         <p14:creationId xmlns:p14="http://schemas.microsoft.com/office/powerpoint/2010/main" val="1131985257"/>
+      </p:ext>
+    </p:extLst>
+  </p:cSld>
+  <p:clrMapOvr>
+    <a:masterClrMapping/>
+  </p:clrMapOvr>
+</p:sld>
+</file>
+
+<file path=ppt/slides/slide18.xml><?xml version="1.0" encoding="utf-8"?>
+<p:sld xmlns:a="http://schemas.openxmlformats.org/drawingml/2006/main" xmlns:r="http://schemas.openxmlformats.org/officeDocument/2006/relationships" xmlns:p="http://schemas.openxmlformats.org/presentationml/2006/main">
+  <p:cSld>
+    <p:spTree>
+      <p:nvGrpSpPr>
+        <p:cNvPr id="1" name=""/>
+        <p:cNvGrpSpPr/>
+        <p:nvPr/>
+      </p:nvGrpSpPr>
+      <p:grpSpPr>
+        <a:xfrm>
+          <a:off x="0" y="0"/>
+          <a:ext cx="0" cy="0"/>
+          <a:chOff x="0" y="0"/>
+          <a:chExt cx="0" cy="0"/>
+        </a:xfrm>
+      </p:grpSpPr>
+      <p:pic>
+        <p:nvPicPr>
+          <p:cNvPr id="1026" name="Picture 2">
+            <a:extLst>
+              <a:ext uri="{FF2B5EF4-FFF2-40B4-BE49-F238E27FC236}">
+                <a16:creationId xmlns:a16="http://schemas.microsoft.com/office/drawing/2014/main" id="{F4466773-946F-D744-8BC8-BF1394ACAB3D}"/>
+              </a:ext>
+            </a:extLst>
+          </p:cNvPr>
+          <p:cNvPicPr>
+            <a:picLocks noChangeAspect="1" noChangeArrowheads="1"/>
+          </p:cNvPicPr>
+          <p:nvPr/>
+        </p:nvPicPr>
+        <p:blipFill>
+          <a:blip r:embed="rId2">
+            <a:extLst>
+              <a:ext uri="{28A0092B-C50C-407E-A947-70E740481C1C}">
+                <a14:useLocalDpi xmlns:a14="http://schemas.microsoft.com/office/drawing/2010/main" val="0"/>
+              </a:ext>
+            </a:extLst>
+          </a:blip>
+          <a:srcRect/>
+          <a:stretch>
+            <a:fillRect/>
+          </a:stretch>
+        </p:blipFill>
+        <p:spPr bwMode="auto">
+          <a:xfrm>
+            <a:off x="1427163" y="0"/>
+            <a:ext cx="9337675" cy="6858000"/>
+          </a:xfrm>
+          <a:prstGeom prst="rect">
+            <a:avLst/>
+          </a:prstGeom>
+          <a:noFill/>
+          <a:extLst>
+            <a:ext uri="{909E8E84-426E-40DD-AFC4-6F175D3DCCD1}">
+              <a14:hiddenFill xmlns:a14="http://schemas.microsoft.com/office/drawing/2010/main">
+                <a:solidFill>
+                  <a:srgbClr val="FFFFFF"/>
+                </a:solidFill>
+              </a14:hiddenFill>
+            </a:ext>
+          </a:extLst>
+        </p:spPr>
+      </p:pic>
+      <p:sp>
+        <p:nvSpPr>
+          <p:cNvPr id="2" name="TextBox 1">
+            <a:extLst>
+              <a:ext uri="{FF2B5EF4-FFF2-40B4-BE49-F238E27FC236}">
+                <a16:creationId xmlns:a16="http://schemas.microsoft.com/office/drawing/2014/main" id="{CEF55515-B8CD-0C4F-9A9F-330AAC7D628E}"/>
+              </a:ext>
+            </a:extLst>
+          </p:cNvPr>
+          <p:cNvSpPr txBox="1"/>
+          <p:nvPr/>
+        </p:nvSpPr>
+        <p:spPr>
+          <a:xfrm>
+            <a:off x="7376885" y="3744686"/>
+            <a:ext cx="2978701" cy="369332"/>
+          </a:xfrm>
+          <a:prstGeom prst="rect">
+            <a:avLst/>
+          </a:prstGeom>
+          <a:noFill/>
+        </p:spPr>
+        <p:txBody>
+          <a:bodyPr wrap="none" rtlCol="0">
+            <a:spAutoFit/>
+          </a:bodyPr>
+          <a:lstStyle/>
+          <a:p>
+            <a:r>
+              <a:rPr lang="en-US" b="1" u="sng" dirty="0"/>
+              <a:t>Crossing Boundaries Example</a:t>
+            </a:r>
+          </a:p>
+        </p:txBody>
+      </p:sp>
+    </p:spTree>
+    <p:extLst>
+      <p:ext uri="{BB962C8B-B14F-4D97-AF65-F5344CB8AC3E}">
+        <p14:creationId xmlns:p14="http://schemas.microsoft.com/office/powerpoint/2010/main" val="483959821"/>
+      </p:ext>
+    </p:extLst>
+  </p:cSld>
+  <p:clrMapOvr>
+    <a:masterClrMapping/>
+  </p:clrMapOvr>
+</p:sld>
+</file>
+
+<file path=ppt/slides/slide19.xml><?xml version="1.0" encoding="utf-8"?>
+<p:sld xmlns:a="http://schemas.openxmlformats.org/drawingml/2006/main" xmlns:r="http://schemas.openxmlformats.org/officeDocument/2006/relationships" xmlns:p="http://schemas.openxmlformats.org/presentationml/2006/main">
+  <p:cSld>
+    <p:spTree>
+      <p:nvGrpSpPr>
+        <p:cNvPr id="1" name=""/>
+        <p:cNvGrpSpPr/>
+        <p:nvPr/>
+      </p:nvGrpSpPr>
+      <p:grpSpPr>
+        <a:xfrm>
+          <a:off x="0" y="0"/>
+          <a:ext cx="0" cy="0"/>
+          <a:chOff x="0" y="0"/>
+          <a:chExt cx="0" cy="0"/>
+        </a:xfrm>
+      </p:grpSpPr>
+      <p:pic>
+        <p:nvPicPr>
+          <p:cNvPr id="2050" name="Picture 2" descr="GitHub - esakik/clean-architecture-python: Some examples of &quot;Clean  Architecture&quot; written in Python.">
+            <a:extLst>
+              <a:ext uri="{FF2B5EF4-FFF2-40B4-BE49-F238E27FC236}">
+                <a16:creationId xmlns:a16="http://schemas.microsoft.com/office/drawing/2014/main" id="{3F817678-4EB0-7E4B-945D-8E71A1324A57}"/>
+              </a:ext>
+            </a:extLst>
+          </p:cNvPr>
+          <p:cNvPicPr>
+            <a:picLocks noChangeAspect="1" noChangeArrowheads="1"/>
+          </p:cNvPicPr>
+          <p:nvPr/>
+        </p:nvPicPr>
+        <p:blipFill>
+          <a:blip r:embed="rId2">
+            <a:extLst>
+              <a:ext uri="{28A0092B-C50C-407E-A947-70E740481C1C}">
+                <a14:useLocalDpi xmlns:a14="http://schemas.microsoft.com/office/drawing/2010/main" val="0"/>
+              </a:ext>
+            </a:extLst>
+          </a:blip>
+          <a:srcRect/>
+          <a:stretch>
+            <a:fillRect/>
+          </a:stretch>
+        </p:blipFill>
+        <p:spPr bwMode="auto">
+          <a:xfrm>
+            <a:off x="1246188" y="0"/>
+            <a:ext cx="9699625" cy="6858000"/>
+          </a:xfrm>
+          <a:prstGeom prst="rect">
+            <a:avLst/>
+          </a:prstGeom>
+          <a:noFill/>
+          <a:extLst>
+            <a:ext uri="{909E8E84-426E-40DD-AFC4-6F175D3DCCD1}">
+              <a14:hiddenFill xmlns:a14="http://schemas.microsoft.com/office/drawing/2010/main">
+                <a:solidFill>
+                  <a:srgbClr val="FFFFFF"/>
+                </a:solidFill>
+              </a14:hiddenFill>
+            </a:ext>
+          </a:extLst>
+        </p:spPr>
+      </p:pic>
+      <p:sp>
+        <p:nvSpPr>
+          <p:cNvPr id="2" name="TextBox 1">
+            <a:extLst>
+              <a:ext uri="{FF2B5EF4-FFF2-40B4-BE49-F238E27FC236}">
+                <a16:creationId xmlns:a16="http://schemas.microsoft.com/office/drawing/2014/main" id="{07066F11-7CAE-CD46-8FB3-E0DA052D9359}"/>
+              </a:ext>
+            </a:extLst>
+          </p:cNvPr>
+          <p:cNvSpPr txBox="1"/>
+          <p:nvPr/>
+        </p:nvSpPr>
+        <p:spPr>
+          <a:xfrm>
+            <a:off x="9173028" y="1625602"/>
+            <a:ext cx="2322286" cy="1384995"/>
+          </a:xfrm>
+          <a:prstGeom prst="rect">
+            <a:avLst/>
+          </a:prstGeom>
+          <a:noFill/>
+        </p:spPr>
+        <p:txBody>
+          <a:bodyPr wrap="square" rtlCol="0">
+            <a:spAutoFit/>
+          </a:bodyPr>
+          <a:lstStyle/>
+          <a:p>
+            <a:r>
+              <a:rPr lang="en-US" sz="1200" b="1" dirty="0">
+                <a:latin typeface="Monaco" pitchFamily="2" charset="77"/>
+              </a:rPr>
+              <a:t>Note:</a:t>
+            </a:r>
+            <a:br>
+              <a:rPr lang="en-US" sz="1200" dirty="0">
+                <a:latin typeface="Monaco" pitchFamily="2" charset="77"/>
+              </a:rPr>
+            </a:br>
+            <a:r>
+              <a:rPr lang="en-US" sz="1200" dirty="0">
+                <a:latin typeface="Monaco" pitchFamily="2" charset="77"/>
+              </a:rPr>
+              <a:t>This is a </a:t>
+            </a:r>
+            <a:r>
+              <a:rPr lang="en-US" sz="1200" b="1" dirty="0">
+                <a:latin typeface="Monaco" pitchFamily="2" charset="77"/>
+              </a:rPr>
+              <a:t>source code dependency diagram. </a:t>
+            </a:r>
+            <a:r>
+              <a:rPr lang="en-US" sz="1200" dirty="0">
+                <a:latin typeface="Monaco" pitchFamily="2" charset="77"/>
+              </a:rPr>
+              <a:t>It doesn’t determine anything about the </a:t>
+            </a:r>
+            <a:r>
+              <a:rPr lang="en-US" sz="1200" b="1" dirty="0">
+                <a:latin typeface="Monaco" pitchFamily="2" charset="77"/>
+              </a:rPr>
+              <a:t>flow  of control</a:t>
+            </a:r>
+            <a:r>
+              <a:rPr lang="en-US" sz="1200" dirty="0">
+                <a:latin typeface="Monaco" pitchFamily="2" charset="77"/>
+              </a:rPr>
+              <a:t> from the actual </a:t>
+            </a:r>
+            <a:r>
+              <a:rPr lang="en-US" sz="1200" b="1" dirty="0">
+                <a:latin typeface="Monaco" pitchFamily="2" charset="77"/>
+              </a:rPr>
+              <a:t>implementation.</a:t>
+            </a:r>
+            <a:endParaRPr lang="en-US" sz="1200" dirty="0">
+              <a:latin typeface="Monaco" pitchFamily="2" charset="77"/>
+            </a:endParaRPr>
+          </a:p>
+        </p:txBody>
+      </p:sp>
+    </p:spTree>
+    <p:extLst>
+      <p:ext uri="{BB962C8B-B14F-4D97-AF65-F5344CB8AC3E}">
+        <p14:creationId xmlns:p14="http://schemas.microsoft.com/office/powerpoint/2010/main" val="4159608197"/>
       </p:ext>
     </p:extLst>
   </p:cSld>

--- a/images/editable-images.pptx
+++ b/images/editable-images.pptx
@@ -5,7 +5,7 @@
     <p:sldMasterId id="2147483648" r:id="rId1"/>
   </p:sldMasterIdLst>
   <p:notesMasterIdLst>
-    <p:notesMasterId r:id="rId21"/>
+    <p:notesMasterId r:id="rId23"/>
   </p:notesMasterIdLst>
   <p:sldIdLst>
     <p:sldId id="259" r:id="rId2"/>
@@ -27,6 +27,8 @@
     <p:sldId id="272" r:id="rId18"/>
     <p:sldId id="273" r:id="rId19"/>
     <p:sldId id="274" r:id="rId20"/>
+    <p:sldId id="275" r:id="rId21"/>
+    <p:sldId id="276" r:id="rId22"/>
   </p:sldIdLst>
   <p:sldSz cx="12192000" cy="6858000"/>
   <p:notesSz cx="6858000" cy="9144000"/>
@@ -6449,6 +6451,1996 @@
     <p:extLst>
       <p:ext uri="{BB962C8B-B14F-4D97-AF65-F5344CB8AC3E}">
         <p14:creationId xmlns:p14="http://schemas.microsoft.com/office/powerpoint/2010/main" val="3077334666"/>
+      </p:ext>
+    </p:extLst>
+  </p:cSld>
+  <p:clrMapOvr>
+    <a:masterClrMapping/>
+  </p:clrMapOvr>
+</p:sld>
+</file>
+
+<file path=ppt/slides/slide20.xml><?xml version="1.0" encoding="utf-8"?>
+<p:sld xmlns:a="http://schemas.openxmlformats.org/drawingml/2006/main" xmlns:r="http://schemas.openxmlformats.org/officeDocument/2006/relationships" xmlns:p="http://schemas.openxmlformats.org/presentationml/2006/main">
+  <p:cSld>
+    <p:spTree>
+      <p:nvGrpSpPr>
+        <p:cNvPr id="1" name=""/>
+        <p:cNvGrpSpPr/>
+        <p:nvPr/>
+      </p:nvGrpSpPr>
+      <p:grpSpPr>
+        <a:xfrm>
+          <a:off x="0" y="0"/>
+          <a:ext cx="0" cy="0"/>
+          <a:chOff x="0" y="0"/>
+          <a:chExt cx="0" cy="0"/>
+        </a:xfrm>
+      </p:grpSpPr>
+      <p:sp>
+        <p:nvSpPr>
+          <p:cNvPr id="2" name="Rectangle 1">
+            <a:extLst>
+              <a:ext uri="{FF2B5EF4-FFF2-40B4-BE49-F238E27FC236}">
+                <a16:creationId xmlns:a16="http://schemas.microsoft.com/office/drawing/2014/main" id="{533D308D-3E8C-0A44-B8EE-61DC2BF3F659}"/>
+              </a:ext>
+            </a:extLst>
+          </p:cNvPr>
+          <p:cNvSpPr/>
+          <p:nvPr/>
+        </p:nvSpPr>
+        <p:spPr>
+          <a:xfrm>
+            <a:off x="740227" y="1426029"/>
+            <a:ext cx="2405744" cy="674914"/>
+          </a:xfrm>
+          <a:prstGeom prst="rect">
+            <a:avLst/>
+          </a:prstGeom>
+          <a:solidFill>
+            <a:srgbClr val="FFA09C"/>
+          </a:solidFill>
+          <a:ln w="28575">
+            <a:solidFill>
+              <a:schemeClr val="tx1"/>
+            </a:solidFill>
+          </a:ln>
+        </p:spPr>
+        <p:style>
+          <a:lnRef idx="2">
+            <a:schemeClr val="accent1">
+              <a:shade val="50000"/>
+            </a:schemeClr>
+          </a:lnRef>
+          <a:fillRef idx="1">
+            <a:schemeClr val="accent1"/>
+          </a:fillRef>
+          <a:effectRef idx="0">
+            <a:schemeClr val="accent1"/>
+          </a:effectRef>
+          <a:fontRef idx="minor">
+            <a:schemeClr val="lt1"/>
+          </a:fontRef>
+        </p:style>
+        <p:txBody>
+          <a:bodyPr rtlCol="0" anchor="ctr"/>
+          <a:lstStyle/>
+          <a:p>
+            <a:pPr algn="ctr"/>
+            <a:r>
+              <a:rPr lang="en-US" sz="1600" i="1" dirty="0">
+                <a:solidFill>
+                  <a:schemeClr val="tx1"/>
+                </a:solidFill>
+              </a:rPr>
+              <a:t>Use Case:</a:t>
+            </a:r>
+            <a:br>
+              <a:rPr lang="en-US" sz="1600" i="1" dirty="0">
+                <a:solidFill>
+                  <a:schemeClr val="tx1"/>
+                </a:solidFill>
+              </a:rPr>
+            </a:br>
+            <a:r>
+              <a:rPr lang="en-US" sz="1600" i="1" dirty="0">
+                <a:solidFill>
+                  <a:schemeClr val="tx1"/>
+                </a:solidFill>
+              </a:rPr>
+              <a:t>List All Users</a:t>
+            </a:r>
+          </a:p>
+        </p:txBody>
+      </p:sp>
+      <p:sp>
+        <p:nvSpPr>
+          <p:cNvPr id="3" name="Rectangle 2">
+            <a:extLst>
+              <a:ext uri="{FF2B5EF4-FFF2-40B4-BE49-F238E27FC236}">
+                <a16:creationId xmlns:a16="http://schemas.microsoft.com/office/drawing/2014/main" id="{53B64273-A137-F746-9AAD-379FB0180EDF}"/>
+              </a:ext>
+            </a:extLst>
+          </p:cNvPr>
+          <p:cNvSpPr/>
+          <p:nvPr/>
+        </p:nvSpPr>
+        <p:spPr>
+          <a:xfrm>
+            <a:off x="740227" y="2471057"/>
+            <a:ext cx="2405744" cy="957943"/>
+          </a:xfrm>
+          <a:prstGeom prst="rect">
+            <a:avLst/>
+          </a:prstGeom>
+          <a:solidFill>
+            <a:srgbClr val="FFA09C"/>
+          </a:solidFill>
+          <a:ln w="28575">
+            <a:solidFill>
+              <a:schemeClr val="tx1"/>
+            </a:solidFill>
+          </a:ln>
+        </p:spPr>
+        <p:style>
+          <a:lnRef idx="2">
+            <a:schemeClr val="accent1">
+              <a:shade val="50000"/>
+            </a:schemeClr>
+          </a:lnRef>
+          <a:fillRef idx="1">
+            <a:schemeClr val="accent1"/>
+          </a:fillRef>
+          <a:effectRef idx="0">
+            <a:schemeClr val="accent1"/>
+          </a:effectRef>
+          <a:fontRef idx="minor">
+            <a:schemeClr val="lt1"/>
+          </a:fontRef>
+        </p:style>
+        <p:txBody>
+          <a:bodyPr rtlCol="0" anchor="ctr"/>
+          <a:lstStyle/>
+          <a:p>
+            <a:pPr algn="ctr"/>
+            <a:r>
+              <a:rPr lang="en-AU" sz="1600" dirty="0">
+                <a:solidFill>
+                  <a:schemeClr val="tx1"/>
+                </a:solidFill>
+              </a:rPr>
+              <a:t>List All Users Data Access &lt;Interface&gt;</a:t>
+            </a:r>
+            <a:endParaRPr lang="en-US" sz="1600" dirty="0">
+              <a:solidFill>
+                <a:schemeClr val="tx1"/>
+              </a:solidFill>
+            </a:endParaRPr>
+          </a:p>
+        </p:txBody>
+      </p:sp>
+      <p:sp>
+        <p:nvSpPr>
+          <p:cNvPr id="5" name="Rectangle 4">
+            <a:extLst>
+              <a:ext uri="{FF2B5EF4-FFF2-40B4-BE49-F238E27FC236}">
+                <a16:creationId xmlns:a16="http://schemas.microsoft.com/office/drawing/2014/main" id="{A9D41668-0062-2E4F-B5FD-184E002CBB88}"/>
+              </a:ext>
+            </a:extLst>
+          </p:cNvPr>
+          <p:cNvSpPr/>
+          <p:nvPr/>
+        </p:nvSpPr>
+        <p:spPr>
+          <a:xfrm>
+            <a:off x="740226" y="4267199"/>
+            <a:ext cx="5344887" cy="664028"/>
+          </a:xfrm>
+          <a:prstGeom prst="rect">
+            <a:avLst/>
+          </a:prstGeom>
+          <a:solidFill>
+            <a:srgbClr val="A3FEBB"/>
+          </a:solidFill>
+          <a:ln w="28575">
+            <a:solidFill>
+              <a:schemeClr val="tx1"/>
+            </a:solidFill>
+          </a:ln>
+        </p:spPr>
+        <p:style>
+          <a:lnRef idx="2">
+            <a:schemeClr val="accent1">
+              <a:shade val="50000"/>
+            </a:schemeClr>
+          </a:lnRef>
+          <a:fillRef idx="1">
+            <a:schemeClr val="accent1"/>
+          </a:fillRef>
+          <a:effectRef idx="0">
+            <a:schemeClr val="accent1"/>
+          </a:effectRef>
+          <a:fontRef idx="minor">
+            <a:schemeClr val="lt1"/>
+          </a:fontRef>
+        </p:style>
+        <p:txBody>
+          <a:bodyPr rtlCol="0" anchor="ctr"/>
+          <a:lstStyle/>
+          <a:p>
+            <a:pPr algn="ctr"/>
+            <a:r>
+              <a:rPr lang="en-US" sz="1600" dirty="0">
+                <a:solidFill>
+                  <a:schemeClr val="tx1"/>
+                </a:solidFill>
+              </a:rPr>
+              <a:t>Users Repository implements both interfaces</a:t>
+            </a:r>
+          </a:p>
+        </p:txBody>
+      </p:sp>
+      <p:sp>
+        <p:nvSpPr>
+          <p:cNvPr id="7" name="Rectangle 6">
+            <a:extLst>
+              <a:ext uri="{FF2B5EF4-FFF2-40B4-BE49-F238E27FC236}">
+                <a16:creationId xmlns:a16="http://schemas.microsoft.com/office/drawing/2014/main" id="{233702C3-A659-4344-9D23-3B4515F259C7}"/>
+              </a:ext>
+            </a:extLst>
+          </p:cNvPr>
+          <p:cNvSpPr/>
+          <p:nvPr/>
+        </p:nvSpPr>
+        <p:spPr>
+          <a:xfrm>
+            <a:off x="3690256" y="1426029"/>
+            <a:ext cx="2405744" cy="674914"/>
+          </a:xfrm>
+          <a:prstGeom prst="rect">
+            <a:avLst/>
+          </a:prstGeom>
+          <a:solidFill>
+            <a:srgbClr val="FFA09C"/>
+          </a:solidFill>
+          <a:ln w="28575">
+            <a:solidFill>
+              <a:schemeClr val="tx1"/>
+            </a:solidFill>
+          </a:ln>
+        </p:spPr>
+        <p:style>
+          <a:lnRef idx="2">
+            <a:schemeClr val="accent1">
+              <a:shade val="50000"/>
+            </a:schemeClr>
+          </a:lnRef>
+          <a:fillRef idx="1">
+            <a:schemeClr val="accent1"/>
+          </a:fillRef>
+          <a:effectRef idx="0">
+            <a:schemeClr val="accent1"/>
+          </a:effectRef>
+          <a:fontRef idx="minor">
+            <a:schemeClr val="lt1"/>
+          </a:fontRef>
+        </p:style>
+        <p:txBody>
+          <a:bodyPr rtlCol="0" anchor="ctr"/>
+          <a:lstStyle/>
+          <a:p>
+            <a:pPr algn="ctr"/>
+            <a:r>
+              <a:rPr lang="en-US" sz="1600" i="1" dirty="0">
+                <a:solidFill>
+                  <a:schemeClr val="tx1"/>
+                </a:solidFill>
+              </a:rPr>
+              <a:t>Use Case:</a:t>
+            </a:r>
+            <a:br>
+              <a:rPr lang="en-US" sz="1600" i="1" dirty="0">
+                <a:solidFill>
+                  <a:schemeClr val="tx1"/>
+                </a:solidFill>
+              </a:rPr>
+            </a:br>
+            <a:r>
+              <a:rPr lang="en-US" sz="1600" i="1" dirty="0">
+                <a:solidFill>
+                  <a:schemeClr val="tx1"/>
+                </a:solidFill>
+              </a:rPr>
+              <a:t>List All Admin Users</a:t>
+            </a:r>
+          </a:p>
+        </p:txBody>
+      </p:sp>
+      <p:sp>
+        <p:nvSpPr>
+          <p:cNvPr id="8" name="Rectangle 7">
+            <a:extLst>
+              <a:ext uri="{FF2B5EF4-FFF2-40B4-BE49-F238E27FC236}">
+                <a16:creationId xmlns:a16="http://schemas.microsoft.com/office/drawing/2014/main" id="{632F1D81-D4CF-FA4C-B806-CEA8E6C219D5}"/>
+              </a:ext>
+            </a:extLst>
+          </p:cNvPr>
+          <p:cNvSpPr/>
+          <p:nvPr/>
+        </p:nvSpPr>
+        <p:spPr>
+          <a:xfrm>
+            <a:off x="3690256" y="2471057"/>
+            <a:ext cx="2405744" cy="957943"/>
+          </a:xfrm>
+          <a:prstGeom prst="rect">
+            <a:avLst/>
+          </a:prstGeom>
+          <a:solidFill>
+            <a:srgbClr val="FFA09C"/>
+          </a:solidFill>
+          <a:ln w="28575">
+            <a:solidFill>
+              <a:schemeClr val="tx1"/>
+            </a:solidFill>
+          </a:ln>
+        </p:spPr>
+        <p:style>
+          <a:lnRef idx="2">
+            <a:schemeClr val="accent1">
+              <a:shade val="50000"/>
+            </a:schemeClr>
+          </a:lnRef>
+          <a:fillRef idx="1">
+            <a:schemeClr val="accent1"/>
+          </a:fillRef>
+          <a:effectRef idx="0">
+            <a:schemeClr val="accent1"/>
+          </a:effectRef>
+          <a:fontRef idx="minor">
+            <a:schemeClr val="lt1"/>
+          </a:fontRef>
+        </p:style>
+        <p:txBody>
+          <a:bodyPr rtlCol="0" anchor="ctr"/>
+          <a:lstStyle/>
+          <a:p>
+            <a:pPr algn="ctr"/>
+            <a:r>
+              <a:rPr lang="en-AU" sz="1600" dirty="0">
+                <a:solidFill>
+                  <a:schemeClr val="tx1"/>
+                </a:solidFill>
+              </a:rPr>
+              <a:t>List All Admin Users Data Access &lt;Interface&gt;</a:t>
+            </a:r>
+            <a:endParaRPr lang="en-US" sz="1600" dirty="0">
+              <a:solidFill>
+                <a:schemeClr val="tx1"/>
+              </a:solidFill>
+            </a:endParaRPr>
+          </a:p>
+        </p:txBody>
+      </p:sp>
+      <p:cxnSp>
+        <p:nvCxnSpPr>
+          <p:cNvPr id="12" name="Straight Connector 11">
+            <a:extLst>
+              <a:ext uri="{FF2B5EF4-FFF2-40B4-BE49-F238E27FC236}">
+                <a16:creationId xmlns:a16="http://schemas.microsoft.com/office/drawing/2014/main" id="{19D14738-A59A-9B41-8006-E35202E55BFA}"/>
+              </a:ext>
+            </a:extLst>
+          </p:cNvPr>
+          <p:cNvCxnSpPr>
+            <a:cxnSpLocks/>
+          </p:cNvCxnSpPr>
+          <p:nvPr/>
+        </p:nvCxnSpPr>
+        <p:spPr>
+          <a:xfrm>
+            <a:off x="3407227" y="1426029"/>
+            <a:ext cx="1" cy="2383973"/>
+          </a:xfrm>
+          <a:prstGeom prst="line">
+            <a:avLst/>
+          </a:prstGeom>
+          <a:ln w="28575">
+            <a:solidFill>
+              <a:schemeClr val="tx1"/>
+            </a:solidFill>
+          </a:ln>
+        </p:spPr>
+        <p:style>
+          <a:lnRef idx="1">
+            <a:schemeClr val="dk1"/>
+          </a:lnRef>
+          <a:fillRef idx="0">
+            <a:schemeClr val="dk1"/>
+          </a:fillRef>
+          <a:effectRef idx="0">
+            <a:schemeClr val="dk1"/>
+          </a:effectRef>
+          <a:fontRef idx="minor">
+            <a:schemeClr val="tx1"/>
+          </a:fontRef>
+        </p:style>
+      </p:cxnSp>
+      <p:cxnSp>
+        <p:nvCxnSpPr>
+          <p:cNvPr id="16" name="Straight Connector 15">
+            <a:extLst>
+              <a:ext uri="{FF2B5EF4-FFF2-40B4-BE49-F238E27FC236}">
+                <a16:creationId xmlns:a16="http://schemas.microsoft.com/office/drawing/2014/main" id="{18240901-75D7-504F-B2A1-60C514026818}"/>
+              </a:ext>
+            </a:extLst>
+          </p:cNvPr>
+          <p:cNvCxnSpPr>
+            <a:cxnSpLocks/>
+          </p:cNvCxnSpPr>
+          <p:nvPr/>
+        </p:nvCxnSpPr>
+        <p:spPr>
+          <a:xfrm>
+            <a:off x="740227" y="3810002"/>
+            <a:ext cx="5355773" cy="0"/>
+          </a:xfrm>
+          <a:prstGeom prst="line">
+            <a:avLst/>
+          </a:prstGeom>
+          <a:ln w="28575">
+            <a:solidFill>
+              <a:schemeClr val="tx1"/>
+            </a:solidFill>
+          </a:ln>
+        </p:spPr>
+        <p:style>
+          <a:lnRef idx="1">
+            <a:schemeClr val="dk1"/>
+          </a:lnRef>
+          <a:fillRef idx="0">
+            <a:schemeClr val="dk1"/>
+          </a:fillRef>
+          <a:effectRef idx="0">
+            <a:schemeClr val="dk1"/>
+          </a:effectRef>
+          <a:fontRef idx="minor">
+            <a:schemeClr val="tx1"/>
+          </a:fontRef>
+        </p:style>
+      </p:cxnSp>
+      <p:cxnSp>
+        <p:nvCxnSpPr>
+          <p:cNvPr id="19" name="Straight Connector 18">
+            <a:extLst>
+              <a:ext uri="{FF2B5EF4-FFF2-40B4-BE49-F238E27FC236}">
+                <a16:creationId xmlns:a16="http://schemas.microsoft.com/office/drawing/2014/main" id="{126A5F3E-9083-3943-AB7F-313ED0E19879}"/>
+              </a:ext>
+            </a:extLst>
+          </p:cNvPr>
+          <p:cNvCxnSpPr>
+            <a:cxnSpLocks/>
+          </p:cNvCxnSpPr>
+          <p:nvPr/>
+        </p:nvCxnSpPr>
+        <p:spPr>
+          <a:xfrm>
+            <a:off x="729341" y="3907973"/>
+            <a:ext cx="5355773" cy="0"/>
+          </a:xfrm>
+          <a:prstGeom prst="line">
+            <a:avLst/>
+          </a:prstGeom>
+          <a:ln w="28575">
+            <a:solidFill>
+              <a:schemeClr val="tx1"/>
+            </a:solidFill>
+          </a:ln>
+        </p:spPr>
+        <p:style>
+          <a:lnRef idx="1">
+            <a:schemeClr val="dk1"/>
+          </a:lnRef>
+          <a:fillRef idx="0">
+            <a:schemeClr val="dk1"/>
+          </a:fillRef>
+          <a:effectRef idx="0">
+            <a:schemeClr val="dk1"/>
+          </a:effectRef>
+          <a:fontRef idx="minor">
+            <a:schemeClr val="tx1"/>
+          </a:fontRef>
+        </p:style>
+      </p:cxnSp>
+      <p:cxnSp>
+        <p:nvCxnSpPr>
+          <p:cNvPr id="22" name="Straight Arrow Connector 21">
+            <a:extLst>
+              <a:ext uri="{FF2B5EF4-FFF2-40B4-BE49-F238E27FC236}">
+                <a16:creationId xmlns:a16="http://schemas.microsoft.com/office/drawing/2014/main" id="{CDE58D93-A203-7548-8463-B2329AF7950B}"/>
+              </a:ext>
+            </a:extLst>
+          </p:cNvPr>
+          <p:cNvCxnSpPr>
+            <a:stCxn id="2" idx="2"/>
+            <a:endCxn id="3" idx="0"/>
+          </p:cNvCxnSpPr>
+          <p:nvPr/>
+        </p:nvCxnSpPr>
+        <p:spPr>
+          <a:xfrm>
+            <a:off x="1943099" y="2100943"/>
+            <a:ext cx="0" cy="370114"/>
+          </a:xfrm>
+          <a:prstGeom prst="straightConnector1">
+            <a:avLst/>
+          </a:prstGeom>
+          <a:ln w="28575">
+            <a:tailEnd type="triangle"/>
+          </a:ln>
+        </p:spPr>
+        <p:style>
+          <a:lnRef idx="1">
+            <a:schemeClr val="dk1"/>
+          </a:lnRef>
+          <a:fillRef idx="0">
+            <a:schemeClr val="dk1"/>
+          </a:fillRef>
+          <a:effectRef idx="0">
+            <a:schemeClr val="dk1"/>
+          </a:effectRef>
+          <a:fontRef idx="minor">
+            <a:schemeClr val="tx1"/>
+          </a:fontRef>
+        </p:style>
+      </p:cxnSp>
+      <p:cxnSp>
+        <p:nvCxnSpPr>
+          <p:cNvPr id="23" name="Straight Arrow Connector 22">
+            <a:extLst>
+              <a:ext uri="{FF2B5EF4-FFF2-40B4-BE49-F238E27FC236}">
+                <a16:creationId xmlns:a16="http://schemas.microsoft.com/office/drawing/2014/main" id="{5487DABD-ABBE-6F40-822C-C436FF5A33FF}"/>
+              </a:ext>
+            </a:extLst>
+          </p:cNvPr>
+          <p:cNvCxnSpPr>
+            <a:cxnSpLocks/>
+            <a:stCxn id="7" idx="2"/>
+            <a:endCxn id="8" idx="0"/>
+          </p:cNvCxnSpPr>
+          <p:nvPr/>
+        </p:nvCxnSpPr>
+        <p:spPr>
+          <a:xfrm>
+            <a:off x="4893128" y="2100943"/>
+            <a:ext cx="0" cy="370114"/>
+          </a:xfrm>
+          <a:prstGeom prst="straightConnector1">
+            <a:avLst/>
+          </a:prstGeom>
+          <a:ln w="28575">
+            <a:tailEnd type="triangle"/>
+          </a:ln>
+        </p:spPr>
+        <p:style>
+          <a:lnRef idx="1">
+            <a:schemeClr val="dk1"/>
+          </a:lnRef>
+          <a:fillRef idx="0">
+            <a:schemeClr val="dk1"/>
+          </a:fillRef>
+          <a:effectRef idx="0">
+            <a:schemeClr val="dk1"/>
+          </a:effectRef>
+          <a:fontRef idx="minor">
+            <a:schemeClr val="tx1"/>
+          </a:fontRef>
+        </p:style>
+      </p:cxnSp>
+      <p:cxnSp>
+        <p:nvCxnSpPr>
+          <p:cNvPr id="26" name="Straight Arrow Connector 25">
+            <a:extLst>
+              <a:ext uri="{FF2B5EF4-FFF2-40B4-BE49-F238E27FC236}">
+                <a16:creationId xmlns:a16="http://schemas.microsoft.com/office/drawing/2014/main" id="{BAC3D708-9278-7147-BA63-6CDE3246DA4F}"/>
+              </a:ext>
+            </a:extLst>
+          </p:cNvPr>
+          <p:cNvCxnSpPr>
+            <a:cxnSpLocks/>
+            <a:stCxn id="5" idx="0"/>
+            <a:endCxn id="3" idx="2"/>
+          </p:cNvCxnSpPr>
+          <p:nvPr/>
+        </p:nvCxnSpPr>
+        <p:spPr>
+          <a:xfrm flipH="1" flipV="1">
+            <a:off x="1943099" y="3429000"/>
+            <a:ext cx="1469571" cy="838199"/>
+          </a:xfrm>
+          <a:prstGeom prst="straightConnector1">
+            <a:avLst/>
+          </a:prstGeom>
+          <a:ln w="28575">
+            <a:tailEnd type="arrow"/>
+          </a:ln>
+        </p:spPr>
+        <p:style>
+          <a:lnRef idx="1">
+            <a:schemeClr val="dk1"/>
+          </a:lnRef>
+          <a:fillRef idx="0">
+            <a:schemeClr val="dk1"/>
+          </a:fillRef>
+          <a:effectRef idx="0">
+            <a:schemeClr val="dk1"/>
+          </a:effectRef>
+          <a:fontRef idx="minor">
+            <a:schemeClr val="tx1"/>
+          </a:fontRef>
+        </p:style>
+      </p:cxnSp>
+      <p:cxnSp>
+        <p:nvCxnSpPr>
+          <p:cNvPr id="30" name="Straight Arrow Connector 29">
+            <a:extLst>
+              <a:ext uri="{FF2B5EF4-FFF2-40B4-BE49-F238E27FC236}">
+                <a16:creationId xmlns:a16="http://schemas.microsoft.com/office/drawing/2014/main" id="{43B3FB55-09B6-C44E-A089-B9107397A067}"/>
+              </a:ext>
+            </a:extLst>
+          </p:cNvPr>
+          <p:cNvCxnSpPr>
+            <a:cxnSpLocks/>
+            <a:stCxn id="5" idx="0"/>
+            <a:endCxn id="8" idx="2"/>
+          </p:cNvCxnSpPr>
+          <p:nvPr/>
+        </p:nvCxnSpPr>
+        <p:spPr>
+          <a:xfrm flipV="1">
+            <a:off x="3412670" y="3429000"/>
+            <a:ext cx="1480458" cy="838199"/>
+          </a:xfrm>
+          <a:prstGeom prst="straightConnector1">
+            <a:avLst/>
+          </a:prstGeom>
+          <a:ln w="28575">
+            <a:tailEnd type="arrow"/>
+          </a:ln>
+        </p:spPr>
+        <p:style>
+          <a:lnRef idx="1">
+            <a:schemeClr val="dk1"/>
+          </a:lnRef>
+          <a:fillRef idx="0">
+            <a:schemeClr val="dk1"/>
+          </a:fillRef>
+          <a:effectRef idx="0">
+            <a:schemeClr val="dk1"/>
+          </a:effectRef>
+          <a:fontRef idx="minor">
+            <a:schemeClr val="tx1"/>
+          </a:fontRef>
+        </p:style>
+      </p:cxnSp>
+      <p:sp>
+        <p:nvSpPr>
+          <p:cNvPr id="34" name="Rectangle 33">
+            <a:extLst>
+              <a:ext uri="{FF2B5EF4-FFF2-40B4-BE49-F238E27FC236}">
+                <a16:creationId xmlns:a16="http://schemas.microsoft.com/office/drawing/2014/main" id="{73E40D90-5582-794E-B00D-C83BCD5CA821}"/>
+              </a:ext>
+            </a:extLst>
+          </p:cNvPr>
+          <p:cNvSpPr/>
+          <p:nvPr/>
+        </p:nvSpPr>
+        <p:spPr>
+          <a:xfrm>
+            <a:off x="6553199" y="1484087"/>
+            <a:ext cx="2405744" cy="674914"/>
+          </a:xfrm>
+          <a:prstGeom prst="rect">
+            <a:avLst/>
+          </a:prstGeom>
+          <a:solidFill>
+            <a:srgbClr val="FFA09C"/>
+          </a:solidFill>
+          <a:ln w="28575">
+            <a:solidFill>
+              <a:schemeClr val="tx1"/>
+            </a:solidFill>
+          </a:ln>
+        </p:spPr>
+        <p:style>
+          <a:lnRef idx="2">
+            <a:schemeClr val="accent1">
+              <a:shade val="50000"/>
+            </a:schemeClr>
+          </a:lnRef>
+          <a:fillRef idx="1">
+            <a:schemeClr val="accent1"/>
+          </a:fillRef>
+          <a:effectRef idx="0">
+            <a:schemeClr val="accent1"/>
+          </a:effectRef>
+          <a:fontRef idx="minor">
+            <a:schemeClr val="lt1"/>
+          </a:fontRef>
+        </p:style>
+        <p:txBody>
+          <a:bodyPr rtlCol="0" anchor="ctr"/>
+          <a:lstStyle/>
+          <a:p>
+            <a:pPr algn="ctr"/>
+            <a:r>
+              <a:rPr lang="en-US" sz="1600" i="1" dirty="0">
+                <a:solidFill>
+                  <a:schemeClr val="tx1"/>
+                </a:solidFill>
+              </a:rPr>
+              <a:t>Use Case:</a:t>
+            </a:r>
+            <a:br>
+              <a:rPr lang="en-US" sz="1600" i="1" dirty="0">
+                <a:solidFill>
+                  <a:schemeClr val="tx1"/>
+                </a:solidFill>
+              </a:rPr>
+            </a:br>
+            <a:r>
+              <a:rPr lang="en-US" sz="1600" i="1" dirty="0">
+                <a:solidFill>
+                  <a:schemeClr val="tx1"/>
+                </a:solidFill>
+              </a:rPr>
+              <a:t>List All Users</a:t>
+            </a:r>
+          </a:p>
+        </p:txBody>
+      </p:sp>
+      <p:sp>
+        <p:nvSpPr>
+          <p:cNvPr id="36" name="Rectangle 35">
+            <a:extLst>
+              <a:ext uri="{FF2B5EF4-FFF2-40B4-BE49-F238E27FC236}">
+                <a16:creationId xmlns:a16="http://schemas.microsoft.com/office/drawing/2014/main" id="{866B27D4-332D-6140-9896-07F9ADCF3E78}"/>
+              </a:ext>
+            </a:extLst>
+          </p:cNvPr>
+          <p:cNvSpPr/>
+          <p:nvPr/>
+        </p:nvSpPr>
+        <p:spPr>
+          <a:xfrm>
+            <a:off x="6553198" y="4267199"/>
+            <a:ext cx="5344887" cy="664028"/>
+          </a:xfrm>
+          <a:prstGeom prst="rect">
+            <a:avLst/>
+          </a:prstGeom>
+          <a:solidFill>
+            <a:srgbClr val="A3FEBB"/>
+          </a:solidFill>
+          <a:ln w="28575">
+            <a:solidFill>
+              <a:schemeClr val="tx1"/>
+            </a:solidFill>
+          </a:ln>
+        </p:spPr>
+        <p:style>
+          <a:lnRef idx="2">
+            <a:schemeClr val="accent1">
+              <a:shade val="50000"/>
+            </a:schemeClr>
+          </a:lnRef>
+          <a:fillRef idx="1">
+            <a:schemeClr val="accent1"/>
+          </a:fillRef>
+          <a:effectRef idx="0">
+            <a:schemeClr val="accent1"/>
+          </a:effectRef>
+          <a:fontRef idx="minor">
+            <a:schemeClr val="lt1"/>
+          </a:fontRef>
+        </p:style>
+        <p:txBody>
+          <a:bodyPr rtlCol="0" anchor="ctr"/>
+          <a:lstStyle/>
+          <a:p>
+            <a:pPr algn="ctr"/>
+            <a:r>
+              <a:rPr lang="en-US" sz="1600" dirty="0">
+                <a:solidFill>
+                  <a:schemeClr val="tx1"/>
+                </a:solidFill>
+              </a:rPr>
+              <a:t>Users Repository implements read and write needs for both use cases</a:t>
+            </a:r>
+          </a:p>
+        </p:txBody>
+      </p:sp>
+      <p:sp>
+        <p:nvSpPr>
+          <p:cNvPr id="37" name="Rectangle 36">
+            <a:extLst>
+              <a:ext uri="{FF2B5EF4-FFF2-40B4-BE49-F238E27FC236}">
+                <a16:creationId xmlns:a16="http://schemas.microsoft.com/office/drawing/2014/main" id="{CE11790A-D68D-514B-9A2F-7E7314F05F5E}"/>
+              </a:ext>
+            </a:extLst>
+          </p:cNvPr>
+          <p:cNvSpPr/>
+          <p:nvPr/>
+        </p:nvSpPr>
+        <p:spPr>
+          <a:xfrm>
+            <a:off x="9503228" y="1484087"/>
+            <a:ext cx="2405744" cy="674914"/>
+          </a:xfrm>
+          <a:prstGeom prst="rect">
+            <a:avLst/>
+          </a:prstGeom>
+          <a:solidFill>
+            <a:srgbClr val="FFA09C"/>
+          </a:solidFill>
+          <a:ln w="28575">
+            <a:solidFill>
+              <a:schemeClr val="tx1"/>
+            </a:solidFill>
+          </a:ln>
+        </p:spPr>
+        <p:style>
+          <a:lnRef idx="2">
+            <a:schemeClr val="accent1">
+              <a:shade val="50000"/>
+            </a:schemeClr>
+          </a:lnRef>
+          <a:fillRef idx="1">
+            <a:schemeClr val="accent1"/>
+          </a:fillRef>
+          <a:effectRef idx="0">
+            <a:schemeClr val="accent1"/>
+          </a:effectRef>
+          <a:fontRef idx="minor">
+            <a:schemeClr val="lt1"/>
+          </a:fontRef>
+        </p:style>
+        <p:txBody>
+          <a:bodyPr rtlCol="0" anchor="ctr"/>
+          <a:lstStyle/>
+          <a:p>
+            <a:pPr algn="ctr"/>
+            <a:r>
+              <a:rPr lang="en-US" sz="1600" i="1" dirty="0">
+                <a:solidFill>
+                  <a:schemeClr val="tx1"/>
+                </a:solidFill>
+              </a:rPr>
+              <a:t>Use Case:</a:t>
+            </a:r>
+            <a:br>
+              <a:rPr lang="en-US" sz="1600" i="1" dirty="0">
+                <a:solidFill>
+                  <a:schemeClr val="tx1"/>
+                </a:solidFill>
+              </a:rPr>
+            </a:br>
+            <a:r>
+              <a:rPr lang="en-US" sz="1600" i="1" dirty="0">
+                <a:solidFill>
+                  <a:schemeClr val="tx1"/>
+                </a:solidFill>
+              </a:rPr>
+              <a:t>List All Admin Users</a:t>
+            </a:r>
+          </a:p>
+        </p:txBody>
+      </p:sp>
+      <p:cxnSp>
+        <p:nvCxnSpPr>
+          <p:cNvPr id="39" name="Straight Connector 38">
+            <a:extLst>
+              <a:ext uri="{FF2B5EF4-FFF2-40B4-BE49-F238E27FC236}">
+                <a16:creationId xmlns:a16="http://schemas.microsoft.com/office/drawing/2014/main" id="{948D7A70-1F30-E142-A7F8-531553DEE4A4}"/>
+              </a:ext>
+            </a:extLst>
+          </p:cNvPr>
+          <p:cNvCxnSpPr>
+            <a:cxnSpLocks/>
+          </p:cNvCxnSpPr>
+          <p:nvPr/>
+        </p:nvCxnSpPr>
+        <p:spPr>
+          <a:xfrm>
+            <a:off x="9220199" y="1426029"/>
+            <a:ext cx="1" cy="2383973"/>
+          </a:xfrm>
+          <a:prstGeom prst="line">
+            <a:avLst/>
+          </a:prstGeom>
+          <a:ln w="28575">
+            <a:solidFill>
+              <a:schemeClr val="tx1"/>
+            </a:solidFill>
+          </a:ln>
+        </p:spPr>
+        <p:style>
+          <a:lnRef idx="1">
+            <a:schemeClr val="dk1"/>
+          </a:lnRef>
+          <a:fillRef idx="0">
+            <a:schemeClr val="dk1"/>
+          </a:fillRef>
+          <a:effectRef idx="0">
+            <a:schemeClr val="dk1"/>
+          </a:effectRef>
+          <a:fontRef idx="minor">
+            <a:schemeClr val="tx1"/>
+          </a:fontRef>
+        </p:style>
+      </p:cxnSp>
+      <p:cxnSp>
+        <p:nvCxnSpPr>
+          <p:cNvPr id="40" name="Straight Connector 39">
+            <a:extLst>
+              <a:ext uri="{FF2B5EF4-FFF2-40B4-BE49-F238E27FC236}">
+                <a16:creationId xmlns:a16="http://schemas.microsoft.com/office/drawing/2014/main" id="{5708C8DB-6D2A-5B4E-9AF8-470C8C005319}"/>
+              </a:ext>
+            </a:extLst>
+          </p:cNvPr>
+          <p:cNvCxnSpPr>
+            <a:cxnSpLocks/>
+          </p:cNvCxnSpPr>
+          <p:nvPr/>
+        </p:nvCxnSpPr>
+        <p:spPr>
+          <a:xfrm>
+            <a:off x="6553199" y="3810002"/>
+            <a:ext cx="5355773" cy="0"/>
+          </a:xfrm>
+          <a:prstGeom prst="line">
+            <a:avLst/>
+          </a:prstGeom>
+          <a:ln w="28575">
+            <a:solidFill>
+              <a:schemeClr val="tx1"/>
+            </a:solidFill>
+          </a:ln>
+        </p:spPr>
+        <p:style>
+          <a:lnRef idx="1">
+            <a:schemeClr val="dk1"/>
+          </a:lnRef>
+          <a:fillRef idx="0">
+            <a:schemeClr val="dk1"/>
+          </a:fillRef>
+          <a:effectRef idx="0">
+            <a:schemeClr val="dk1"/>
+          </a:effectRef>
+          <a:fontRef idx="minor">
+            <a:schemeClr val="tx1"/>
+          </a:fontRef>
+        </p:style>
+      </p:cxnSp>
+      <p:cxnSp>
+        <p:nvCxnSpPr>
+          <p:cNvPr id="41" name="Straight Connector 40">
+            <a:extLst>
+              <a:ext uri="{FF2B5EF4-FFF2-40B4-BE49-F238E27FC236}">
+                <a16:creationId xmlns:a16="http://schemas.microsoft.com/office/drawing/2014/main" id="{B04F90FC-0397-C648-959C-070E88CE612C}"/>
+              </a:ext>
+            </a:extLst>
+          </p:cNvPr>
+          <p:cNvCxnSpPr>
+            <a:cxnSpLocks/>
+          </p:cNvCxnSpPr>
+          <p:nvPr/>
+        </p:nvCxnSpPr>
+        <p:spPr>
+          <a:xfrm>
+            <a:off x="6542313" y="3907973"/>
+            <a:ext cx="5355773" cy="0"/>
+          </a:xfrm>
+          <a:prstGeom prst="line">
+            <a:avLst/>
+          </a:prstGeom>
+          <a:ln w="28575">
+            <a:solidFill>
+              <a:schemeClr val="tx1"/>
+            </a:solidFill>
+          </a:ln>
+        </p:spPr>
+        <p:style>
+          <a:lnRef idx="1">
+            <a:schemeClr val="dk1"/>
+          </a:lnRef>
+          <a:fillRef idx="0">
+            <a:schemeClr val="dk1"/>
+          </a:fillRef>
+          <a:effectRef idx="0">
+            <a:schemeClr val="dk1"/>
+          </a:effectRef>
+          <a:fontRef idx="minor">
+            <a:schemeClr val="tx1"/>
+          </a:fontRef>
+        </p:style>
+      </p:cxnSp>
+      <p:cxnSp>
+        <p:nvCxnSpPr>
+          <p:cNvPr id="42" name="Straight Arrow Connector 41">
+            <a:extLst>
+              <a:ext uri="{FF2B5EF4-FFF2-40B4-BE49-F238E27FC236}">
+                <a16:creationId xmlns:a16="http://schemas.microsoft.com/office/drawing/2014/main" id="{152759C4-FA5F-0F45-8A4D-6E97DBD9590B}"/>
+              </a:ext>
+            </a:extLst>
+          </p:cNvPr>
+          <p:cNvCxnSpPr>
+            <a:cxnSpLocks/>
+            <a:stCxn id="34" idx="2"/>
+          </p:cNvCxnSpPr>
+          <p:nvPr/>
+        </p:nvCxnSpPr>
+        <p:spPr>
+          <a:xfrm>
+            <a:off x="7756071" y="2159001"/>
+            <a:ext cx="0" cy="2108198"/>
+          </a:xfrm>
+          <a:prstGeom prst="straightConnector1">
+            <a:avLst/>
+          </a:prstGeom>
+          <a:ln w="28575">
+            <a:tailEnd type="triangle"/>
+          </a:ln>
+        </p:spPr>
+        <p:style>
+          <a:lnRef idx="1">
+            <a:schemeClr val="dk1"/>
+          </a:lnRef>
+          <a:fillRef idx="0">
+            <a:schemeClr val="dk1"/>
+          </a:fillRef>
+          <a:effectRef idx="0">
+            <a:schemeClr val="dk1"/>
+          </a:effectRef>
+          <a:fontRef idx="minor">
+            <a:schemeClr val="tx1"/>
+          </a:fontRef>
+        </p:style>
+      </p:cxnSp>
+      <p:cxnSp>
+        <p:nvCxnSpPr>
+          <p:cNvPr id="43" name="Straight Arrow Connector 42">
+            <a:extLst>
+              <a:ext uri="{FF2B5EF4-FFF2-40B4-BE49-F238E27FC236}">
+                <a16:creationId xmlns:a16="http://schemas.microsoft.com/office/drawing/2014/main" id="{B5C531EB-5C79-6342-B6A3-2742D12BDD8E}"/>
+              </a:ext>
+            </a:extLst>
+          </p:cNvPr>
+          <p:cNvCxnSpPr>
+            <a:cxnSpLocks/>
+            <a:stCxn id="37" idx="2"/>
+          </p:cNvCxnSpPr>
+          <p:nvPr/>
+        </p:nvCxnSpPr>
+        <p:spPr>
+          <a:xfrm>
+            <a:off x="10706100" y="2159001"/>
+            <a:ext cx="0" cy="2108198"/>
+          </a:xfrm>
+          <a:prstGeom prst="straightConnector1">
+            <a:avLst/>
+          </a:prstGeom>
+          <a:ln w="28575">
+            <a:tailEnd type="triangle"/>
+          </a:ln>
+        </p:spPr>
+        <p:style>
+          <a:lnRef idx="1">
+            <a:schemeClr val="dk1"/>
+          </a:lnRef>
+          <a:fillRef idx="0">
+            <a:schemeClr val="dk1"/>
+          </a:fillRef>
+          <a:effectRef idx="0">
+            <a:schemeClr val="dk1"/>
+          </a:effectRef>
+          <a:fontRef idx="minor">
+            <a:schemeClr val="tx1"/>
+          </a:fontRef>
+        </p:style>
+      </p:cxnSp>
+      <p:sp>
+        <p:nvSpPr>
+          <p:cNvPr id="49" name="TextBox 48">
+            <a:extLst>
+              <a:ext uri="{FF2B5EF4-FFF2-40B4-BE49-F238E27FC236}">
+                <a16:creationId xmlns:a16="http://schemas.microsoft.com/office/drawing/2014/main" id="{35677B8C-3A20-F04F-A649-F23E14BEECD6}"/>
+              </a:ext>
+            </a:extLst>
+          </p:cNvPr>
+          <p:cNvSpPr txBox="1"/>
+          <p:nvPr/>
+        </p:nvSpPr>
+        <p:spPr>
+          <a:xfrm>
+            <a:off x="729342" y="5097530"/>
+            <a:ext cx="5344888" cy="1077218"/>
+          </a:xfrm>
+          <a:prstGeom prst="rect">
+            <a:avLst/>
+          </a:prstGeom>
+          <a:noFill/>
+        </p:spPr>
+        <p:txBody>
+          <a:bodyPr wrap="square" rtlCol="0">
+            <a:spAutoFit/>
+          </a:bodyPr>
+          <a:lstStyle/>
+          <a:p>
+            <a:r>
+              <a:rPr lang="en-US" sz="1600" dirty="0"/>
+              <a:t>- If the Users Repository Changes, both use cases need to be recompiled.</a:t>
+            </a:r>
+            <a:br>
+              <a:rPr lang="en-US" sz="1600" dirty="0"/>
+            </a:br>
+            <a:r>
+              <a:rPr lang="en-US" sz="1600" dirty="0"/>
+              <a:t>- Some work will be required to re-establish the strict vertical boundary.</a:t>
+            </a:r>
+          </a:p>
+        </p:txBody>
+      </p:sp>
+      <p:sp>
+        <p:nvSpPr>
+          <p:cNvPr id="50" name="TextBox 49">
+            <a:extLst>
+              <a:ext uri="{FF2B5EF4-FFF2-40B4-BE49-F238E27FC236}">
+                <a16:creationId xmlns:a16="http://schemas.microsoft.com/office/drawing/2014/main" id="{D6D5683D-9C1B-C04F-A007-8DD5AC703CD1}"/>
+              </a:ext>
+            </a:extLst>
+          </p:cNvPr>
+          <p:cNvSpPr txBox="1"/>
+          <p:nvPr/>
+        </p:nvSpPr>
+        <p:spPr>
+          <a:xfrm>
+            <a:off x="6542313" y="5097530"/>
+            <a:ext cx="5344888" cy="1077218"/>
+          </a:xfrm>
+          <a:prstGeom prst="rect">
+            <a:avLst/>
+          </a:prstGeom>
+          <a:noFill/>
+        </p:spPr>
+        <p:txBody>
+          <a:bodyPr wrap="square" rtlCol="0">
+            <a:spAutoFit/>
+          </a:bodyPr>
+          <a:lstStyle/>
+          <a:p>
+            <a:pPr marL="285750" indent="-285750">
+              <a:buFontTx/>
+              <a:buChar char="-"/>
+            </a:pPr>
+            <a:r>
+              <a:rPr lang="en-US" sz="1600" dirty="0"/>
+              <a:t>The source code dependency boundary is being crossed in the wrong direction</a:t>
+            </a:r>
+          </a:p>
+          <a:p>
+            <a:pPr marL="285750" indent="-285750">
+              <a:buFontTx/>
+              <a:buChar char="-"/>
+            </a:pPr>
+            <a:r>
+              <a:rPr lang="en-US" sz="1600" dirty="0"/>
+              <a:t>Higher risk of making it hard to split vertically in the future if needed.</a:t>
+            </a:r>
+          </a:p>
+        </p:txBody>
+      </p:sp>
+      <p:sp>
+        <p:nvSpPr>
+          <p:cNvPr id="51" name="TextBox 50">
+            <a:extLst>
+              <a:ext uri="{FF2B5EF4-FFF2-40B4-BE49-F238E27FC236}">
+                <a16:creationId xmlns:a16="http://schemas.microsoft.com/office/drawing/2014/main" id="{1E729756-96FA-B445-B13E-1879AF7318B8}"/>
+              </a:ext>
+            </a:extLst>
+          </p:cNvPr>
+          <p:cNvSpPr txBox="1"/>
+          <p:nvPr/>
+        </p:nvSpPr>
+        <p:spPr>
+          <a:xfrm>
+            <a:off x="1625600" y="762001"/>
+            <a:ext cx="3903313" cy="369332"/>
+          </a:xfrm>
+          <a:prstGeom prst="rect">
+            <a:avLst/>
+          </a:prstGeom>
+          <a:noFill/>
+        </p:spPr>
+        <p:txBody>
+          <a:bodyPr wrap="none" rtlCol="0">
+            <a:spAutoFit/>
+          </a:bodyPr>
+          <a:lstStyle/>
+          <a:p>
+            <a:r>
+              <a:rPr lang="en-US" b="1" dirty="0"/>
+              <a:t>Split Interfaces, Group Implementation</a:t>
+            </a:r>
+          </a:p>
+        </p:txBody>
+      </p:sp>
+      <p:sp>
+        <p:nvSpPr>
+          <p:cNvPr id="52" name="TextBox 51">
+            <a:extLst>
+              <a:ext uri="{FF2B5EF4-FFF2-40B4-BE49-F238E27FC236}">
+                <a16:creationId xmlns:a16="http://schemas.microsoft.com/office/drawing/2014/main" id="{653A6670-5E74-A141-BB8F-29CD11668A8B}"/>
+              </a:ext>
+            </a:extLst>
+          </p:cNvPr>
+          <p:cNvSpPr txBox="1"/>
+          <p:nvPr/>
+        </p:nvSpPr>
+        <p:spPr>
+          <a:xfrm>
+            <a:off x="7346120" y="719240"/>
+            <a:ext cx="3759042" cy="369332"/>
+          </a:xfrm>
+          <a:prstGeom prst="rect">
+            <a:avLst/>
+          </a:prstGeom>
+          <a:noFill/>
+        </p:spPr>
+        <p:txBody>
+          <a:bodyPr wrap="none" rtlCol="0">
+            <a:spAutoFit/>
+          </a:bodyPr>
+          <a:lstStyle/>
+          <a:p>
+            <a:r>
+              <a:rPr lang="en-US" b="1" dirty="0"/>
+              <a:t>No Interfaces, Group Implementation</a:t>
+            </a:r>
+          </a:p>
+        </p:txBody>
+      </p:sp>
+    </p:spTree>
+    <p:extLst>
+      <p:ext uri="{BB962C8B-B14F-4D97-AF65-F5344CB8AC3E}">
+        <p14:creationId xmlns:p14="http://schemas.microsoft.com/office/powerpoint/2010/main" val="845274071"/>
+      </p:ext>
+    </p:extLst>
+  </p:cSld>
+  <p:clrMapOvr>
+    <a:masterClrMapping/>
+  </p:clrMapOvr>
+</p:sld>
+</file>
+
+<file path=ppt/slides/slide21.xml><?xml version="1.0" encoding="utf-8"?>
+<p:sld xmlns:a="http://schemas.openxmlformats.org/drawingml/2006/main" xmlns:r="http://schemas.openxmlformats.org/officeDocument/2006/relationships" xmlns:p="http://schemas.openxmlformats.org/presentationml/2006/main">
+  <p:cSld>
+    <p:spTree>
+      <p:nvGrpSpPr>
+        <p:cNvPr id="1" name=""/>
+        <p:cNvGrpSpPr/>
+        <p:nvPr/>
+      </p:nvGrpSpPr>
+      <p:grpSpPr>
+        <a:xfrm>
+          <a:off x="0" y="0"/>
+          <a:ext cx="0" cy="0"/>
+          <a:chOff x="0" y="0"/>
+          <a:chExt cx="0" cy="0"/>
+        </a:xfrm>
+      </p:grpSpPr>
+      <p:sp>
+        <p:nvSpPr>
+          <p:cNvPr id="2" name="Rectangle 1">
+            <a:extLst>
+              <a:ext uri="{FF2B5EF4-FFF2-40B4-BE49-F238E27FC236}">
+                <a16:creationId xmlns:a16="http://schemas.microsoft.com/office/drawing/2014/main" id="{533D308D-3E8C-0A44-B8EE-61DC2BF3F659}"/>
+              </a:ext>
+            </a:extLst>
+          </p:cNvPr>
+          <p:cNvSpPr/>
+          <p:nvPr/>
+        </p:nvSpPr>
+        <p:spPr>
+          <a:xfrm>
+            <a:off x="1545770" y="1469570"/>
+            <a:ext cx="2405744" cy="674914"/>
+          </a:xfrm>
+          <a:prstGeom prst="rect">
+            <a:avLst/>
+          </a:prstGeom>
+          <a:solidFill>
+            <a:srgbClr val="FFA09C"/>
+          </a:solidFill>
+          <a:ln w="28575">
+            <a:solidFill>
+              <a:schemeClr val="tx1"/>
+            </a:solidFill>
+          </a:ln>
+        </p:spPr>
+        <p:style>
+          <a:lnRef idx="2">
+            <a:schemeClr val="accent1">
+              <a:shade val="50000"/>
+            </a:schemeClr>
+          </a:lnRef>
+          <a:fillRef idx="1">
+            <a:schemeClr val="accent1"/>
+          </a:fillRef>
+          <a:effectRef idx="0">
+            <a:schemeClr val="accent1"/>
+          </a:effectRef>
+          <a:fontRef idx="minor">
+            <a:schemeClr val="lt1"/>
+          </a:fontRef>
+        </p:style>
+        <p:txBody>
+          <a:bodyPr rtlCol="0" anchor="ctr"/>
+          <a:lstStyle/>
+          <a:p>
+            <a:pPr algn="ctr"/>
+            <a:r>
+              <a:rPr lang="en-US" sz="1600" i="1" dirty="0">
+                <a:solidFill>
+                  <a:schemeClr val="tx1"/>
+                </a:solidFill>
+              </a:rPr>
+              <a:t>Use Case:</a:t>
+            </a:r>
+            <a:br>
+              <a:rPr lang="en-US" sz="1600" i="1" dirty="0">
+                <a:solidFill>
+                  <a:schemeClr val="tx1"/>
+                </a:solidFill>
+              </a:rPr>
+            </a:br>
+            <a:r>
+              <a:rPr lang="en-US" sz="1600" i="1" dirty="0">
+                <a:solidFill>
+                  <a:schemeClr val="tx1"/>
+                </a:solidFill>
+              </a:rPr>
+              <a:t>List All Users</a:t>
+            </a:r>
+          </a:p>
+        </p:txBody>
+      </p:sp>
+      <p:sp>
+        <p:nvSpPr>
+          <p:cNvPr id="5" name="Rectangle 4">
+            <a:extLst>
+              <a:ext uri="{FF2B5EF4-FFF2-40B4-BE49-F238E27FC236}">
+                <a16:creationId xmlns:a16="http://schemas.microsoft.com/office/drawing/2014/main" id="{A9D41668-0062-2E4F-B5FD-184E002CBB88}"/>
+              </a:ext>
+            </a:extLst>
+          </p:cNvPr>
+          <p:cNvSpPr/>
+          <p:nvPr/>
+        </p:nvSpPr>
+        <p:spPr>
+          <a:xfrm>
+            <a:off x="1545769" y="2989941"/>
+            <a:ext cx="5344887" cy="664028"/>
+          </a:xfrm>
+          <a:prstGeom prst="rect">
+            <a:avLst/>
+          </a:prstGeom>
+          <a:solidFill>
+            <a:srgbClr val="A3FEBB"/>
+          </a:solidFill>
+          <a:ln w="28575">
+            <a:solidFill>
+              <a:schemeClr val="tx1"/>
+            </a:solidFill>
+          </a:ln>
+        </p:spPr>
+        <p:style>
+          <a:lnRef idx="2">
+            <a:schemeClr val="accent1">
+              <a:shade val="50000"/>
+            </a:schemeClr>
+          </a:lnRef>
+          <a:fillRef idx="1">
+            <a:schemeClr val="accent1"/>
+          </a:fillRef>
+          <a:effectRef idx="0">
+            <a:schemeClr val="accent1"/>
+          </a:effectRef>
+          <a:fontRef idx="minor">
+            <a:schemeClr val="lt1"/>
+          </a:fontRef>
+        </p:style>
+        <p:txBody>
+          <a:bodyPr rtlCol="0" anchor="ctr"/>
+          <a:lstStyle/>
+          <a:p>
+            <a:pPr algn="ctr"/>
+            <a:r>
+              <a:rPr lang="en-US" sz="1600" dirty="0">
+                <a:solidFill>
+                  <a:schemeClr val="tx1"/>
+                </a:solidFill>
+              </a:rPr>
+              <a:t>Users Façade</a:t>
+            </a:r>
+            <a:br>
+              <a:rPr lang="en-US" sz="1600" dirty="0">
+                <a:solidFill>
+                  <a:schemeClr val="tx1"/>
+                </a:solidFill>
+              </a:rPr>
+            </a:br>
+            <a:r>
+              <a:rPr lang="en-US" sz="1600" dirty="0">
+                <a:solidFill>
+                  <a:schemeClr val="tx1"/>
+                </a:solidFill>
+              </a:rPr>
+              <a:t>(single place for all user related reads and writes)</a:t>
+            </a:r>
+          </a:p>
+        </p:txBody>
+      </p:sp>
+      <p:sp>
+        <p:nvSpPr>
+          <p:cNvPr id="7" name="Rectangle 6">
+            <a:extLst>
+              <a:ext uri="{FF2B5EF4-FFF2-40B4-BE49-F238E27FC236}">
+                <a16:creationId xmlns:a16="http://schemas.microsoft.com/office/drawing/2014/main" id="{233702C3-A659-4344-9D23-3B4515F259C7}"/>
+              </a:ext>
+            </a:extLst>
+          </p:cNvPr>
+          <p:cNvSpPr/>
+          <p:nvPr/>
+        </p:nvSpPr>
+        <p:spPr>
+          <a:xfrm>
+            <a:off x="4495799" y="1469570"/>
+            <a:ext cx="2405744" cy="674914"/>
+          </a:xfrm>
+          <a:prstGeom prst="rect">
+            <a:avLst/>
+          </a:prstGeom>
+          <a:solidFill>
+            <a:srgbClr val="FFA09C"/>
+          </a:solidFill>
+          <a:ln w="28575">
+            <a:solidFill>
+              <a:schemeClr val="tx1"/>
+            </a:solidFill>
+          </a:ln>
+        </p:spPr>
+        <p:style>
+          <a:lnRef idx="2">
+            <a:schemeClr val="accent1">
+              <a:shade val="50000"/>
+            </a:schemeClr>
+          </a:lnRef>
+          <a:fillRef idx="1">
+            <a:schemeClr val="accent1"/>
+          </a:fillRef>
+          <a:effectRef idx="0">
+            <a:schemeClr val="accent1"/>
+          </a:effectRef>
+          <a:fontRef idx="minor">
+            <a:schemeClr val="lt1"/>
+          </a:fontRef>
+        </p:style>
+        <p:txBody>
+          <a:bodyPr rtlCol="0" anchor="ctr"/>
+          <a:lstStyle/>
+          <a:p>
+            <a:pPr algn="ctr"/>
+            <a:r>
+              <a:rPr lang="en-US" sz="1600" i="1" dirty="0">
+                <a:solidFill>
+                  <a:schemeClr val="tx1"/>
+                </a:solidFill>
+              </a:rPr>
+              <a:t>Use Case:</a:t>
+            </a:r>
+            <a:br>
+              <a:rPr lang="en-US" sz="1600" i="1" dirty="0">
+                <a:solidFill>
+                  <a:schemeClr val="tx1"/>
+                </a:solidFill>
+              </a:rPr>
+            </a:br>
+            <a:r>
+              <a:rPr lang="en-US" sz="1600" i="1" dirty="0">
+                <a:solidFill>
+                  <a:schemeClr val="tx1"/>
+                </a:solidFill>
+              </a:rPr>
+              <a:t>List All Admin Users</a:t>
+            </a:r>
+          </a:p>
+        </p:txBody>
+      </p:sp>
+      <p:cxnSp>
+        <p:nvCxnSpPr>
+          <p:cNvPr id="12" name="Straight Connector 11">
+            <a:extLst>
+              <a:ext uri="{FF2B5EF4-FFF2-40B4-BE49-F238E27FC236}">
+                <a16:creationId xmlns:a16="http://schemas.microsoft.com/office/drawing/2014/main" id="{19D14738-A59A-9B41-8006-E35202E55BFA}"/>
+              </a:ext>
+            </a:extLst>
+          </p:cNvPr>
+          <p:cNvCxnSpPr>
+            <a:cxnSpLocks/>
+          </p:cNvCxnSpPr>
+          <p:nvPr/>
+        </p:nvCxnSpPr>
+        <p:spPr>
+          <a:xfrm>
+            <a:off x="4212770" y="1469570"/>
+            <a:ext cx="0" cy="1063174"/>
+          </a:xfrm>
+          <a:prstGeom prst="line">
+            <a:avLst/>
+          </a:prstGeom>
+          <a:ln w="28575">
+            <a:solidFill>
+              <a:schemeClr val="tx1"/>
+            </a:solidFill>
+          </a:ln>
+        </p:spPr>
+        <p:style>
+          <a:lnRef idx="1">
+            <a:schemeClr val="dk1"/>
+          </a:lnRef>
+          <a:fillRef idx="0">
+            <a:schemeClr val="dk1"/>
+          </a:fillRef>
+          <a:effectRef idx="0">
+            <a:schemeClr val="dk1"/>
+          </a:effectRef>
+          <a:fontRef idx="minor">
+            <a:schemeClr val="tx1"/>
+          </a:fontRef>
+        </p:style>
+      </p:cxnSp>
+      <p:cxnSp>
+        <p:nvCxnSpPr>
+          <p:cNvPr id="16" name="Straight Connector 15">
+            <a:extLst>
+              <a:ext uri="{FF2B5EF4-FFF2-40B4-BE49-F238E27FC236}">
+                <a16:creationId xmlns:a16="http://schemas.microsoft.com/office/drawing/2014/main" id="{18240901-75D7-504F-B2A1-60C514026818}"/>
+              </a:ext>
+            </a:extLst>
+          </p:cNvPr>
+          <p:cNvCxnSpPr>
+            <a:cxnSpLocks/>
+          </p:cNvCxnSpPr>
+          <p:nvPr/>
+        </p:nvCxnSpPr>
+        <p:spPr>
+          <a:xfrm>
+            <a:off x="1545770" y="2532744"/>
+            <a:ext cx="5355773" cy="0"/>
+          </a:xfrm>
+          <a:prstGeom prst="line">
+            <a:avLst/>
+          </a:prstGeom>
+          <a:ln w="28575">
+            <a:solidFill>
+              <a:schemeClr val="tx1"/>
+            </a:solidFill>
+          </a:ln>
+        </p:spPr>
+        <p:style>
+          <a:lnRef idx="1">
+            <a:schemeClr val="dk1"/>
+          </a:lnRef>
+          <a:fillRef idx="0">
+            <a:schemeClr val="dk1"/>
+          </a:fillRef>
+          <a:effectRef idx="0">
+            <a:schemeClr val="dk1"/>
+          </a:effectRef>
+          <a:fontRef idx="minor">
+            <a:schemeClr val="tx1"/>
+          </a:fontRef>
+        </p:style>
+      </p:cxnSp>
+      <p:cxnSp>
+        <p:nvCxnSpPr>
+          <p:cNvPr id="19" name="Straight Connector 18">
+            <a:extLst>
+              <a:ext uri="{FF2B5EF4-FFF2-40B4-BE49-F238E27FC236}">
+                <a16:creationId xmlns:a16="http://schemas.microsoft.com/office/drawing/2014/main" id="{126A5F3E-9083-3943-AB7F-313ED0E19879}"/>
+              </a:ext>
+            </a:extLst>
+          </p:cNvPr>
+          <p:cNvCxnSpPr>
+            <a:cxnSpLocks/>
+          </p:cNvCxnSpPr>
+          <p:nvPr/>
+        </p:nvCxnSpPr>
+        <p:spPr>
+          <a:xfrm>
+            <a:off x="1534884" y="2630715"/>
+            <a:ext cx="5355773" cy="0"/>
+          </a:xfrm>
+          <a:prstGeom prst="line">
+            <a:avLst/>
+          </a:prstGeom>
+          <a:ln w="28575">
+            <a:solidFill>
+              <a:schemeClr val="tx1"/>
+            </a:solidFill>
+          </a:ln>
+        </p:spPr>
+        <p:style>
+          <a:lnRef idx="1">
+            <a:schemeClr val="dk1"/>
+          </a:lnRef>
+          <a:fillRef idx="0">
+            <a:schemeClr val="dk1"/>
+          </a:fillRef>
+          <a:effectRef idx="0">
+            <a:schemeClr val="dk1"/>
+          </a:effectRef>
+          <a:fontRef idx="minor">
+            <a:schemeClr val="tx1"/>
+          </a:fontRef>
+        </p:style>
+      </p:cxnSp>
+      <p:cxnSp>
+        <p:nvCxnSpPr>
+          <p:cNvPr id="22" name="Straight Arrow Connector 21">
+            <a:extLst>
+              <a:ext uri="{FF2B5EF4-FFF2-40B4-BE49-F238E27FC236}">
+                <a16:creationId xmlns:a16="http://schemas.microsoft.com/office/drawing/2014/main" id="{CDE58D93-A203-7548-8463-B2329AF7950B}"/>
+              </a:ext>
+            </a:extLst>
+          </p:cNvPr>
+          <p:cNvCxnSpPr>
+            <a:cxnSpLocks/>
+            <a:stCxn id="2" idx="2"/>
+          </p:cNvCxnSpPr>
+          <p:nvPr/>
+        </p:nvCxnSpPr>
+        <p:spPr>
+          <a:xfrm>
+            <a:off x="2748642" y="2144484"/>
+            <a:ext cx="0" cy="845457"/>
+          </a:xfrm>
+          <a:prstGeom prst="straightConnector1">
+            <a:avLst/>
+          </a:prstGeom>
+          <a:ln w="28575">
+            <a:tailEnd type="triangle"/>
+          </a:ln>
+        </p:spPr>
+        <p:style>
+          <a:lnRef idx="1">
+            <a:schemeClr val="dk1"/>
+          </a:lnRef>
+          <a:fillRef idx="0">
+            <a:schemeClr val="dk1"/>
+          </a:fillRef>
+          <a:effectRef idx="0">
+            <a:schemeClr val="dk1"/>
+          </a:effectRef>
+          <a:fontRef idx="minor">
+            <a:schemeClr val="tx1"/>
+          </a:fontRef>
+        </p:style>
+      </p:cxnSp>
+      <p:cxnSp>
+        <p:nvCxnSpPr>
+          <p:cNvPr id="23" name="Straight Arrow Connector 22">
+            <a:extLst>
+              <a:ext uri="{FF2B5EF4-FFF2-40B4-BE49-F238E27FC236}">
+                <a16:creationId xmlns:a16="http://schemas.microsoft.com/office/drawing/2014/main" id="{5487DABD-ABBE-6F40-822C-C436FF5A33FF}"/>
+              </a:ext>
+            </a:extLst>
+          </p:cNvPr>
+          <p:cNvCxnSpPr>
+            <a:cxnSpLocks/>
+            <a:stCxn id="7" idx="2"/>
+          </p:cNvCxnSpPr>
+          <p:nvPr/>
+        </p:nvCxnSpPr>
+        <p:spPr>
+          <a:xfrm>
+            <a:off x="5698671" y="2144484"/>
+            <a:ext cx="0" cy="845457"/>
+          </a:xfrm>
+          <a:prstGeom prst="straightConnector1">
+            <a:avLst/>
+          </a:prstGeom>
+          <a:ln w="28575">
+            <a:tailEnd type="triangle"/>
+          </a:ln>
+        </p:spPr>
+        <p:style>
+          <a:lnRef idx="1">
+            <a:schemeClr val="dk1"/>
+          </a:lnRef>
+          <a:fillRef idx="0">
+            <a:schemeClr val="dk1"/>
+          </a:fillRef>
+          <a:effectRef idx="0">
+            <a:schemeClr val="dk1"/>
+          </a:effectRef>
+          <a:fontRef idx="minor">
+            <a:schemeClr val="tx1"/>
+          </a:fontRef>
+        </p:style>
+      </p:cxnSp>
+      <p:sp>
+        <p:nvSpPr>
+          <p:cNvPr id="14" name="Rectangle 13">
+            <a:extLst>
+              <a:ext uri="{FF2B5EF4-FFF2-40B4-BE49-F238E27FC236}">
+                <a16:creationId xmlns:a16="http://schemas.microsoft.com/office/drawing/2014/main" id="{FC936425-3ACB-DD46-A38B-1228AEA5800B}"/>
+              </a:ext>
+            </a:extLst>
+          </p:cNvPr>
+          <p:cNvSpPr/>
+          <p:nvPr/>
+        </p:nvSpPr>
+        <p:spPr>
+          <a:xfrm>
+            <a:off x="1534885" y="3998689"/>
+            <a:ext cx="2677886" cy="664028"/>
+          </a:xfrm>
+          <a:prstGeom prst="rect">
+            <a:avLst/>
+          </a:prstGeom>
+          <a:solidFill>
+            <a:srgbClr val="A3FEBB"/>
+          </a:solidFill>
+          <a:ln w="28575">
+            <a:solidFill>
+              <a:schemeClr val="tx1"/>
+            </a:solidFill>
+          </a:ln>
+        </p:spPr>
+        <p:style>
+          <a:lnRef idx="2">
+            <a:schemeClr val="accent1">
+              <a:shade val="50000"/>
+            </a:schemeClr>
+          </a:lnRef>
+          <a:fillRef idx="1">
+            <a:schemeClr val="accent1"/>
+          </a:fillRef>
+          <a:effectRef idx="0">
+            <a:schemeClr val="accent1"/>
+          </a:effectRef>
+          <a:fontRef idx="minor">
+            <a:schemeClr val="lt1"/>
+          </a:fontRef>
+        </p:style>
+        <p:txBody>
+          <a:bodyPr rtlCol="0" anchor="ctr"/>
+          <a:lstStyle/>
+          <a:p>
+            <a:pPr algn="ctr"/>
+            <a:r>
+              <a:rPr lang="en-US" sz="1600" dirty="0">
+                <a:solidFill>
+                  <a:schemeClr val="tx1"/>
+                </a:solidFill>
+              </a:rPr>
+              <a:t>Users Repository</a:t>
+            </a:r>
+          </a:p>
+        </p:txBody>
+      </p:sp>
+      <p:sp>
+        <p:nvSpPr>
+          <p:cNvPr id="15" name="Rectangle 14">
+            <a:extLst>
+              <a:ext uri="{FF2B5EF4-FFF2-40B4-BE49-F238E27FC236}">
+                <a16:creationId xmlns:a16="http://schemas.microsoft.com/office/drawing/2014/main" id="{05FF02D8-8512-1540-BDAD-508BA6C14B26}"/>
+              </a:ext>
+            </a:extLst>
+          </p:cNvPr>
+          <p:cNvSpPr/>
+          <p:nvPr/>
+        </p:nvSpPr>
+        <p:spPr>
+          <a:xfrm>
+            <a:off x="4495799" y="4013194"/>
+            <a:ext cx="2394857" cy="664028"/>
+          </a:xfrm>
+          <a:prstGeom prst="rect">
+            <a:avLst/>
+          </a:prstGeom>
+          <a:solidFill>
+            <a:srgbClr val="A3FEBB"/>
+          </a:solidFill>
+          <a:ln w="28575">
+            <a:solidFill>
+              <a:schemeClr val="tx1"/>
+            </a:solidFill>
+          </a:ln>
+        </p:spPr>
+        <p:style>
+          <a:lnRef idx="2">
+            <a:schemeClr val="accent1">
+              <a:shade val="50000"/>
+            </a:schemeClr>
+          </a:lnRef>
+          <a:fillRef idx="1">
+            <a:schemeClr val="accent1"/>
+          </a:fillRef>
+          <a:effectRef idx="0">
+            <a:schemeClr val="accent1"/>
+          </a:effectRef>
+          <a:fontRef idx="minor">
+            <a:schemeClr val="lt1"/>
+          </a:fontRef>
+        </p:style>
+        <p:txBody>
+          <a:bodyPr rtlCol="0" anchor="ctr"/>
+          <a:lstStyle/>
+          <a:p>
+            <a:pPr algn="ctr"/>
+            <a:r>
+              <a:rPr lang="en-US" sz="1600" dirty="0">
+                <a:solidFill>
+                  <a:schemeClr val="tx1"/>
+                </a:solidFill>
+              </a:rPr>
+              <a:t>Admin Users Repository</a:t>
+            </a:r>
+          </a:p>
+        </p:txBody>
+      </p:sp>
+      <p:cxnSp>
+        <p:nvCxnSpPr>
+          <p:cNvPr id="21" name="Straight Arrow Connector 20">
+            <a:extLst>
+              <a:ext uri="{FF2B5EF4-FFF2-40B4-BE49-F238E27FC236}">
+                <a16:creationId xmlns:a16="http://schemas.microsoft.com/office/drawing/2014/main" id="{33457B06-426C-414F-A56B-B8C362122816}"/>
+              </a:ext>
+            </a:extLst>
+          </p:cNvPr>
+          <p:cNvCxnSpPr>
+            <a:cxnSpLocks/>
+            <a:stCxn id="5" idx="2"/>
+            <a:endCxn id="14" idx="0"/>
+          </p:cNvCxnSpPr>
+          <p:nvPr/>
+        </p:nvCxnSpPr>
+        <p:spPr>
+          <a:xfrm flipH="1">
+            <a:off x="2873828" y="3653969"/>
+            <a:ext cx="1344385" cy="344720"/>
+          </a:xfrm>
+          <a:prstGeom prst="straightConnector1">
+            <a:avLst/>
+          </a:prstGeom>
+          <a:ln w="28575">
+            <a:tailEnd type="triangle"/>
+          </a:ln>
+        </p:spPr>
+        <p:style>
+          <a:lnRef idx="1">
+            <a:schemeClr val="dk1"/>
+          </a:lnRef>
+          <a:fillRef idx="0">
+            <a:schemeClr val="dk1"/>
+          </a:fillRef>
+          <a:effectRef idx="0">
+            <a:schemeClr val="dk1"/>
+          </a:effectRef>
+          <a:fontRef idx="minor">
+            <a:schemeClr val="tx1"/>
+          </a:fontRef>
+        </p:style>
+      </p:cxnSp>
+      <p:cxnSp>
+        <p:nvCxnSpPr>
+          <p:cNvPr id="24" name="Straight Arrow Connector 23">
+            <a:extLst>
+              <a:ext uri="{FF2B5EF4-FFF2-40B4-BE49-F238E27FC236}">
+                <a16:creationId xmlns:a16="http://schemas.microsoft.com/office/drawing/2014/main" id="{C188C484-AF95-4B4C-A851-C6DE698B36A0}"/>
+              </a:ext>
+            </a:extLst>
+          </p:cNvPr>
+          <p:cNvCxnSpPr>
+            <a:cxnSpLocks/>
+            <a:stCxn id="5" idx="2"/>
+            <a:endCxn id="15" idx="0"/>
+          </p:cNvCxnSpPr>
+          <p:nvPr/>
+        </p:nvCxnSpPr>
+        <p:spPr>
+          <a:xfrm>
+            <a:off x="4218213" y="3653969"/>
+            <a:ext cx="1475015" cy="359225"/>
+          </a:xfrm>
+          <a:prstGeom prst="straightConnector1">
+            <a:avLst/>
+          </a:prstGeom>
+          <a:ln w="28575">
+            <a:tailEnd type="triangle"/>
+          </a:ln>
+        </p:spPr>
+        <p:style>
+          <a:lnRef idx="1">
+            <a:schemeClr val="dk1"/>
+          </a:lnRef>
+          <a:fillRef idx="0">
+            <a:schemeClr val="dk1"/>
+          </a:fillRef>
+          <a:effectRef idx="0">
+            <a:schemeClr val="dk1"/>
+          </a:effectRef>
+          <a:fontRef idx="minor">
+            <a:schemeClr val="tx1"/>
+          </a:fontRef>
+        </p:style>
+      </p:cxnSp>
+      <p:sp>
+        <p:nvSpPr>
+          <p:cNvPr id="27" name="TextBox 26">
+            <a:extLst>
+              <a:ext uri="{FF2B5EF4-FFF2-40B4-BE49-F238E27FC236}">
+                <a16:creationId xmlns:a16="http://schemas.microsoft.com/office/drawing/2014/main" id="{09C646C2-632A-1F4A-A69F-CA47539513FE}"/>
+              </a:ext>
+            </a:extLst>
+          </p:cNvPr>
+          <p:cNvSpPr txBox="1"/>
+          <p:nvPr/>
+        </p:nvSpPr>
+        <p:spPr>
+          <a:xfrm>
+            <a:off x="1534884" y="4953472"/>
+            <a:ext cx="5344888" cy="1077218"/>
+          </a:xfrm>
+          <a:prstGeom prst="rect">
+            <a:avLst/>
+          </a:prstGeom>
+          <a:noFill/>
+        </p:spPr>
+        <p:txBody>
+          <a:bodyPr wrap="square" rtlCol="0">
+            <a:spAutoFit/>
+          </a:bodyPr>
+          <a:lstStyle/>
+          <a:p>
+            <a:pPr marL="285750" indent="-285750">
+              <a:buFontTx/>
+              <a:buChar char="-"/>
+            </a:pPr>
+            <a:r>
+              <a:rPr lang="en-US" sz="1600" dirty="0"/>
+              <a:t>The source code dependency boundary is being crossed in the wrong direction</a:t>
+            </a:r>
+          </a:p>
+          <a:p>
+            <a:pPr marL="285750" indent="-285750">
+              <a:buFontTx/>
+              <a:buChar char="-"/>
+            </a:pPr>
+            <a:r>
+              <a:rPr lang="en-US" sz="1600" dirty="0"/>
+              <a:t>The ”splitable”  components are kept under the hood but centralized in the façade for cognitive simplicity.</a:t>
+            </a:r>
+          </a:p>
+        </p:txBody>
+      </p:sp>
+    </p:spTree>
+    <p:extLst>
+      <p:ext uri="{BB962C8B-B14F-4D97-AF65-F5344CB8AC3E}">
+        <p14:creationId xmlns:p14="http://schemas.microsoft.com/office/powerpoint/2010/main" val="2318893800"/>
       </p:ext>
     </p:extLst>
   </p:cSld>

--- a/images/editable-images.pptx
+++ b/images/editable-images.pptx
@@ -5,7 +5,7 @@
     <p:sldMasterId id="2147483648" r:id="rId1"/>
   </p:sldMasterIdLst>
   <p:notesMasterIdLst>
-    <p:notesMasterId r:id="rId23"/>
+    <p:notesMasterId r:id="rId25"/>
   </p:notesMasterIdLst>
   <p:sldIdLst>
     <p:sldId id="259" r:id="rId2"/>
@@ -29,6 +29,8 @@
     <p:sldId id="274" r:id="rId20"/>
     <p:sldId id="275" r:id="rId21"/>
     <p:sldId id="276" r:id="rId22"/>
+    <p:sldId id="277" r:id="rId23"/>
+    <p:sldId id="278" r:id="rId24"/>
   </p:sldIdLst>
   <p:sldSz cx="12192000" cy="6858000"/>
   <p:notesSz cx="6858000" cy="9144000"/>
@@ -8441,6 +8443,419 @@
     <p:extLst>
       <p:ext uri="{BB962C8B-B14F-4D97-AF65-F5344CB8AC3E}">
         <p14:creationId xmlns:p14="http://schemas.microsoft.com/office/powerpoint/2010/main" val="2318893800"/>
+      </p:ext>
+    </p:extLst>
+  </p:cSld>
+  <p:clrMapOvr>
+    <a:masterClrMapping/>
+  </p:clrMapOvr>
+</p:sld>
+</file>
+
+<file path=ppt/slides/slide22.xml><?xml version="1.0" encoding="utf-8"?>
+<p:sld xmlns:a="http://schemas.openxmlformats.org/drawingml/2006/main" xmlns:r="http://schemas.openxmlformats.org/officeDocument/2006/relationships" xmlns:p="http://schemas.openxmlformats.org/presentationml/2006/main">
+  <p:cSld>
+    <p:spTree>
+      <p:nvGrpSpPr>
+        <p:cNvPr id="1" name=""/>
+        <p:cNvGrpSpPr/>
+        <p:nvPr/>
+      </p:nvGrpSpPr>
+      <p:grpSpPr>
+        <a:xfrm>
+          <a:off x="0" y="0"/>
+          <a:ext cx="0" cy="0"/>
+          <a:chOff x="0" y="0"/>
+          <a:chExt cx="0" cy="0"/>
+        </a:xfrm>
+      </p:grpSpPr>
+      <p:pic>
+        <p:nvPicPr>
+          <p:cNvPr id="3" name="Picture 2">
+            <a:extLst>
+              <a:ext uri="{FF2B5EF4-FFF2-40B4-BE49-F238E27FC236}">
+                <a16:creationId xmlns:a16="http://schemas.microsoft.com/office/drawing/2014/main" id="{FA00CA14-4D60-3240-A176-B378A99051B1}"/>
+              </a:ext>
+            </a:extLst>
+          </p:cNvPr>
+          <p:cNvPicPr>
+            <a:picLocks noChangeAspect="1"/>
+          </p:cNvPicPr>
+          <p:nvPr/>
+        </p:nvPicPr>
+        <p:blipFill rotWithShape="1">
+          <a:blip r:embed="rId2"/>
+          <a:srcRect l="1895" r="806"/>
+          <a:stretch/>
+        </p:blipFill>
+        <p:spPr>
+          <a:xfrm>
+            <a:off x="362858" y="351971"/>
+            <a:ext cx="4920342" cy="5141043"/>
+          </a:xfrm>
+          <a:prstGeom prst="rect">
+            <a:avLst/>
+          </a:prstGeom>
+        </p:spPr>
+      </p:pic>
+      <p:sp>
+        <p:nvSpPr>
+          <p:cNvPr id="5" name="TextBox 4">
+            <a:extLst>
+              <a:ext uri="{FF2B5EF4-FFF2-40B4-BE49-F238E27FC236}">
+                <a16:creationId xmlns:a16="http://schemas.microsoft.com/office/drawing/2014/main" id="{850F70CA-3B06-3B4D-B549-C3DD0253210A}"/>
+              </a:ext>
+            </a:extLst>
+          </p:cNvPr>
+          <p:cNvSpPr txBox="1"/>
+          <p:nvPr/>
+        </p:nvSpPr>
+        <p:spPr>
+          <a:xfrm>
+            <a:off x="4339773" y="2409371"/>
+            <a:ext cx="697563" cy="307777"/>
+          </a:xfrm>
+          <a:prstGeom prst="rect">
+            <a:avLst/>
+          </a:prstGeom>
+          <a:solidFill>
+            <a:schemeClr val="bg1"/>
+          </a:solidFill>
+        </p:spPr>
+        <p:txBody>
+          <a:bodyPr wrap="none" rtlCol="0">
+            <a:spAutoFit/>
+          </a:bodyPr>
+          <a:lstStyle/>
+          <a:p>
+            <a:r>
+              <a:rPr lang="en-US" sz="1400" dirty="0">
+                <a:latin typeface="Calibri" panose="020F0502020204030204" pitchFamily="34" charset="0"/>
+                <a:cs typeface="Calibri" panose="020F0502020204030204" pitchFamily="34" charset="0"/>
+              </a:rPr>
+              <a:t>Parcels</a:t>
+            </a:r>
+          </a:p>
+        </p:txBody>
+      </p:sp>
+      <p:pic>
+        <p:nvPicPr>
+          <p:cNvPr id="6" name="Picture 5">
+            <a:extLst>
+              <a:ext uri="{FF2B5EF4-FFF2-40B4-BE49-F238E27FC236}">
+                <a16:creationId xmlns:a16="http://schemas.microsoft.com/office/drawing/2014/main" id="{66B1FE48-B1A6-5D43-933E-21642AED2196}"/>
+              </a:ext>
+            </a:extLst>
+          </p:cNvPr>
+          <p:cNvPicPr>
+            <a:picLocks noChangeAspect="1"/>
+          </p:cNvPicPr>
+          <p:nvPr/>
+        </p:nvPicPr>
+        <p:blipFill>
+          <a:blip r:embed="rId3"/>
+          <a:stretch>
+            <a:fillRect/>
+          </a:stretch>
+        </p:blipFill>
+        <p:spPr>
+          <a:xfrm>
+            <a:off x="5524902" y="376301"/>
+            <a:ext cx="6304240" cy="4602707"/>
+          </a:xfrm>
+          <a:prstGeom prst="rect">
+            <a:avLst/>
+          </a:prstGeom>
+        </p:spPr>
+      </p:pic>
+      <p:sp>
+        <p:nvSpPr>
+          <p:cNvPr id="7" name="TextBox 6">
+            <a:extLst>
+              <a:ext uri="{FF2B5EF4-FFF2-40B4-BE49-F238E27FC236}">
+                <a16:creationId xmlns:a16="http://schemas.microsoft.com/office/drawing/2014/main" id="{422F9AAA-E118-3C4C-A609-675816565A54}"/>
+              </a:ext>
+            </a:extLst>
+          </p:cNvPr>
+          <p:cNvSpPr txBox="1"/>
+          <p:nvPr/>
+        </p:nvSpPr>
+        <p:spPr>
+          <a:xfrm>
+            <a:off x="7601132" y="2941743"/>
+            <a:ext cx="638093" cy="307777"/>
+          </a:xfrm>
+          <a:prstGeom prst="rect">
+            <a:avLst/>
+          </a:prstGeom>
+          <a:solidFill>
+            <a:schemeClr val="bg1"/>
+          </a:solidFill>
+        </p:spPr>
+        <p:txBody>
+          <a:bodyPr wrap="square" rtlCol="0">
+            <a:spAutoFit/>
+          </a:bodyPr>
+          <a:lstStyle/>
+          <a:p>
+            <a:pPr algn="ctr"/>
+            <a:r>
+              <a:rPr lang="en-US" sz="700" dirty="0">
+                <a:latin typeface="Monaco" pitchFamily="2" charset="77"/>
+                <a:cs typeface="Calibri" panose="020F0502020204030204" pitchFamily="34" charset="0"/>
+              </a:rPr>
+              <a:t>Parcel Finder</a:t>
+            </a:r>
+          </a:p>
+        </p:txBody>
+      </p:sp>
+      <p:sp>
+        <p:nvSpPr>
+          <p:cNvPr id="8" name="TextBox 7">
+            <a:extLst>
+              <a:ext uri="{FF2B5EF4-FFF2-40B4-BE49-F238E27FC236}">
+                <a16:creationId xmlns:a16="http://schemas.microsoft.com/office/drawing/2014/main" id="{6A41235E-08B7-9B41-9C6A-D6F75BC97DB7}"/>
+              </a:ext>
+            </a:extLst>
+          </p:cNvPr>
+          <p:cNvSpPr txBox="1"/>
+          <p:nvPr/>
+        </p:nvSpPr>
+        <p:spPr>
+          <a:xfrm>
+            <a:off x="7522525" y="4460931"/>
+            <a:ext cx="638093" cy="307777"/>
+          </a:xfrm>
+          <a:prstGeom prst="rect">
+            <a:avLst/>
+          </a:prstGeom>
+          <a:solidFill>
+            <a:schemeClr val="bg1"/>
+          </a:solidFill>
+        </p:spPr>
+        <p:txBody>
+          <a:bodyPr wrap="square" rtlCol="0">
+            <a:spAutoFit/>
+          </a:bodyPr>
+          <a:lstStyle/>
+          <a:p>
+            <a:pPr algn="ctr"/>
+            <a:r>
+              <a:rPr lang="en-US" sz="700" dirty="0">
+                <a:latin typeface="Monaco" pitchFamily="2" charset="77"/>
+                <a:cs typeface="Calibri" panose="020F0502020204030204" pitchFamily="34" charset="0"/>
+              </a:rPr>
+              <a:t>Parcel Selector</a:t>
+            </a:r>
+          </a:p>
+        </p:txBody>
+      </p:sp>
+      <p:sp>
+        <p:nvSpPr>
+          <p:cNvPr id="9" name="TextBox 8">
+            <a:extLst>
+              <a:ext uri="{FF2B5EF4-FFF2-40B4-BE49-F238E27FC236}">
+                <a16:creationId xmlns:a16="http://schemas.microsoft.com/office/drawing/2014/main" id="{893EACD7-9A23-EE48-A6D5-2F5749F2FE7E}"/>
+              </a:ext>
+            </a:extLst>
+          </p:cNvPr>
+          <p:cNvSpPr txBox="1"/>
+          <p:nvPr/>
+        </p:nvSpPr>
+        <p:spPr>
+          <a:xfrm>
+            <a:off x="10042739" y="4460930"/>
+            <a:ext cx="785682" cy="307777"/>
+          </a:xfrm>
+          <a:prstGeom prst="rect">
+            <a:avLst/>
+          </a:prstGeom>
+          <a:solidFill>
+            <a:schemeClr val="bg1"/>
+          </a:solidFill>
+        </p:spPr>
+        <p:txBody>
+          <a:bodyPr wrap="square" rtlCol="0">
+            <a:spAutoFit/>
+          </a:bodyPr>
+          <a:lstStyle/>
+          <a:p>
+            <a:pPr algn="ctr"/>
+            <a:r>
+              <a:rPr lang="en-US" sz="700" dirty="0">
+                <a:latin typeface="Monaco" pitchFamily="2" charset="77"/>
+                <a:cs typeface="Calibri" panose="020F0502020204030204" pitchFamily="34" charset="0"/>
+              </a:rPr>
+              <a:t>Parcel Dispatcher</a:t>
+            </a:r>
+          </a:p>
+        </p:txBody>
+      </p:sp>
+      <p:sp>
+        <p:nvSpPr>
+          <p:cNvPr id="10" name="TextBox 9">
+            <a:extLst>
+              <a:ext uri="{FF2B5EF4-FFF2-40B4-BE49-F238E27FC236}">
+                <a16:creationId xmlns:a16="http://schemas.microsoft.com/office/drawing/2014/main" id="{F45E8622-F20D-9245-B79E-A90CCB004EE5}"/>
+              </a:ext>
+            </a:extLst>
+          </p:cNvPr>
+          <p:cNvSpPr txBox="1"/>
+          <p:nvPr/>
+        </p:nvSpPr>
+        <p:spPr>
+          <a:xfrm>
+            <a:off x="10828421" y="522593"/>
+            <a:ext cx="785682" cy="307777"/>
+          </a:xfrm>
+          <a:prstGeom prst="rect">
+            <a:avLst/>
+          </a:prstGeom>
+          <a:solidFill>
+            <a:schemeClr val="bg1"/>
+          </a:solidFill>
+        </p:spPr>
+        <p:txBody>
+          <a:bodyPr wrap="square" rtlCol="0">
+            <a:spAutoFit/>
+          </a:bodyPr>
+          <a:lstStyle/>
+          <a:p>
+            <a:pPr algn="ctr"/>
+            <a:r>
+              <a:rPr lang="en-US" sz="700" dirty="0">
+                <a:latin typeface="Monaco" pitchFamily="2" charset="77"/>
+                <a:cs typeface="Calibri" panose="020F0502020204030204" pitchFamily="34" charset="0"/>
+              </a:rPr>
+              <a:t>Parcel Supplier</a:t>
+            </a:r>
+          </a:p>
+        </p:txBody>
+      </p:sp>
+      <p:sp>
+        <p:nvSpPr>
+          <p:cNvPr id="11" name="TextBox 10">
+            <a:extLst>
+              <a:ext uri="{FF2B5EF4-FFF2-40B4-BE49-F238E27FC236}">
+                <a16:creationId xmlns:a16="http://schemas.microsoft.com/office/drawing/2014/main" id="{41092754-35E1-D44F-9938-0ECDF3031EFE}"/>
+              </a:ext>
+            </a:extLst>
+          </p:cNvPr>
+          <p:cNvSpPr txBox="1"/>
+          <p:nvPr/>
+        </p:nvSpPr>
+        <p:spPr>
+          <a:xfrm>
+            <a:off x="144060" y="5668332"/>
+            <a:ext cx="5507440" cy="830997"/>
+          </a:xfrm>
+          <a:prstGeom prst="rect">
+            <a:avLst/>
+          </a:prstGeom>
+          <a:noFill/>
+        </p:spPr>
+        <p:txBody>
+          <a:bodyPr wrap="square" rtlCol="0">
+            <a:spAutoFit/>
+          </a:bodyPr>
+          <a:lstStyle/>
+          <a:p>
+            <a:r>
+              <a:rPr lang="en-US" sz="1600" b="1" dirty="0"/>
+              <a:t>The Architecture of the System Ignoring the Current Microservices</a:t>
+            </a:r>
+            <a:endParaRPr lang="en-US" sz="1600" dirty="0"/>
+          </a:p>
+          <a:p>
+            <a:r>
+              <a:rPr lang="en-US" sz="1600" dirty="0"/>
+              <a:t>- It maintains the Rides and the Parcels business logic separate</a:t>
+            </a:r>
+          </a:p>
+        </p:txBody>
+      </p:sp>
+      <p:sp>
+        <p:nvSpPr>
+          <p:cNvPr id="12" name="TextBox 11">
+            <a:extLst>
+              <a:ext uri="{FF2B5EF4-FFF2-40B4-BE49-F238E27FC236}">
+                <a16:creationId xmlns:a16="http://schemas.microsoft.com/office/drawing/2014/main" id="{9B9F1620-54C6-7D4C-870A-6C61D479C274}"/>
+              </a:ext>
+            </a:extLst>
+          </p:cNvPr>
+          <p:cNvSpPr txBox="1"/>
+          <p:nvPr/>
+        </p:nvSpPr>
+        <p:spPr>
+          <a:xfrm>
+            <a:off x="6028324" y="5125300"/>
+            <a:ext cx="6019616" cy="1569660"/>
+          </a:xfrm>
+          <a:prstGeom prst="rect">
+            <a:avLst/>
+          </a:prstGeom>
+          <a:noFill/>
+        </p:spPr>
+        <p:txBody>
+          <a:bodyPr wrap="square" rtlCol="0">
+            <a:spAutoFit/>
+          </a:bodyPr>
+          <a:lstStyle/>
+          <a:p>
+            <a:r>
+              <a:rPr lang="en-US" sz="1600" b="1" dirty="0"/>
+              <a:t>Implementation of the Architecture in the Current State of Microservices</a:t>
+            </a:r>
+          </a:p>
+          <a:p>
+            <a:r>
+              <a:rPr lang="en-US" sz="1600" dirty="0"/>
+              <a:t>- Each service represents one horizontal layer for each use case (business line). Not ideal but we cannot do anything about this.</a:t>
+            </a:r>
+            <a:br>
+              <a:rPr lang="en-US" sz="1600" dirty="0"/>
+            </a:br>
+            <a:r>
+              <a:rPr lang="en-US" sz="1600" dirty="0"/>
+              <a:t>- We use internal component boundaries so that code for the different businesses lines is kept separate.</a:t>
+            </a:r>
+          </a:p>
+        </p:txBody>
+      </p:sp>
+    </p:spTree>
+    <p:extLst>
+      <p:ext uri="{BB962C8B-B14F-4D97-AF65-F5344CB8AC3E}">
+        <p14:creationId xmlns:p14="http://schemas.microsoft.com/office/powerpoint/2010/main" val="2963114313"/>
+      </p:ext>
+    </p:extLst>
+  </p:cSld>
+  <p:clrMapOvr>
+    <a:masterClrMapping/>
+  </p:clrMapOvr>
+</p:sld>
+</file>
+
+<file path=ppt/slides/slide23.xml><?xml version="1.0" encoding="utf-8"?>
+<p:sld xmlns:a="http://schemas.openxmlformats.org/drawingml/2006/main" xmlns:r="http://schemas.openxmlformats.org/officeDocument/2006/relationships" xmlns:p="http://schemas.openxmlformats.org/presentationml/2006/main">
+  <p:cSld>
+    <p:spTree>
+      <p:nvGrpSpPr>
+        <p:cNvPr id="1" name=""/>
+        <p:cNvGrpSpPr/>
+        <p:nvPr/>
+      </p:nvGrpSpPr>
+      <p:grpSpPr>
+        <a:xfrm>
+          <a:off x="0" y="0"/>
+          <a:ext cx="0" cy="0"/>
+          <a:chOff x="0" y="0"/>
+          <a:chExt cx="0" cy="0"/>
+        </a:xfrm>
+      </p:grpSpPr>
+    </p:spTree>
+    <p:extLst>
+      <p:ext uri="{BB962C8B-B14F-4D97-AF65-F5344CB8AC3E}">
+        <p14:creationId xmlns:p14="http://schemas.microsoft.com/office/powerpoint/2010/main" val="787561364"/>
       </p:ext>
     </p:extLst>
   </p:cSld>

--- a/images/editable-images.pptx
+++ b/images/editable-images.pptx
@@ -219,7 +219,7 @@
           <a:p>
             <a:fld id="{AFF3EEE4-83CB-D440-8517-C3F6C597FEB7}" type="datetimeFigureOut">
               <a:rPr lang="en-US" smtClean="0"/>
-              <a:t>9/2/20</a:t>
+              <a:t>10/4/20</a:t>
             </a:fld>
             <a:endParaRPr lang="en-US"/>
           </a:p>
@@ -720,7 +720,7 @@
           <a:p>
             <a:fld id="{5498BE7D-DC35-F24F-9155-A36CD45F71EC}" type="datetimeFigureOut">
               <a:rPr lang="en-US" smtClean="0"/>
-              <a:t>9/2/20</a:t>
+              <a:t>10/4/20</a:t>
             </a:fld>
             <a:endParaRPr lang="en-US"/>
           </a:p>
@@ -920,7 +920,7 @@
           <a:p>
             <a:fld id="{5498BE7D-DC35-F24F-9155-A36CD45F71EC}" type="datetimeFigureOut">
               <a:rPr lang="en-US" smtClean="0"/>
-              <a:t>9/2/20</a:t>
+              <a:t>10/4/20</a:t>
             </a:fld>
             <a:endParaRPr lang="en-US"/>
           </a:p>
@@ -1130,7 +1130,7 @@
           <a:p>
             <a:fld id="{5498BE7D-DC35-F24F-9155-A36CD45F71EC}" type="datetimeFigureOut">
               <a:rPr lang="en-US" smtClean="0"/>
-              <a:t>9/2/20</a:t>
+              <a:t>10/4/20</a:t>
             </a:fld>
             <a:endParaRPr lang="en-US"/>
           </a:p>
@@ -1330,7 +1330,7 @@
           <a:p>
             <a:fld id="{5498BE7D-DC35-F24F-9155-A36CD45F71EC}" type="datetimeFigureOut">
               <a:rPr lang="en-US" smtClean="0"/>
-              <a:t>9/2/20</a:t>
+              <a:t>10/4/20</a:t>
             </a:fld>
             <a:endParaRPr lang="en-US"/>
           </a:p>
@@ -1606,7 +1606,7 @@
           <a:p>
             <a:fld id="{5498BE7D-DC35-F24F-9155-A36CD45F71EC}" type="datetimeFigureOut">
               <a:rPr lang="en-US" smtClean="0"/>
-              <a:t>9/2/20</a:t>
+              <a:t>10/4/20</a:t>
             </a:fld>
             <a:endParaRPr lang="en-US"/>
           </a:p>
@@ -1874,7 +1874,7 @@
           <a:p>
             <a:fld id="{5498BE7D-DC35-F24F-9155-A36CD45F71EC}" type="datetimeFigureOut">
               <a:rPr lang="en-US" smtClean="0"/>
-              <a:t>9/2/20</a:t>
+              <a:t>10/4/20</a:t>
             </a:fld>
             <a:endParaRPr lang="en-US"/>
           </a:p>
@@ -2289,7 +2289,7 @@
           <a:p>
             <a:fld id="{5498BE7D-DC35-F24F-9155-A36CD45F71EC}" type="datetimeFigureOut">
               <a:rPr lang="en-US" smtClean="0"/>
-              <a:t>9/2/20</a:t>
+              <a:t>10/4/20</a:t>
             </a:fld>
             <a:endParaRPr lang="en-US"/>
           </a:p>
@@ -2431,7 +2431,7 @@
           <a:p>
             <a:fld id="{5498BE7D-DC35-F24F-9155-A36CD45F71EC}" type="datetimeFigureOut">
               <a:rPr lang="en-US" smtClean="0"/>
-              <a:t>9/2/20</a:t>
+              <a:t>10/4/20</a:t>
             </a:fld>
             <a:endParaRPr lang="en-US"/>
           </a:p>
@@ -2544,7 +2544,7 @@
           <a:p>
             <a:fld id="{5498BE7D-DC35-F24F-9155-A36CD45F71EC}" type="datetimeFigureOut">
               <a:rPr lang="en-US" smtClean="0"/>
-              <a:t>9/2/20</a:t>
+              <a:t>10/4/20</a:t>
             </a:fld>
             <a:endParaRPr lang="en-US"/>
           </a:p>
@@ -2857,7 +2857,7 @@
           <a:p>
             <a:fld id="{5498BE7D-DC35-F24F-9155-A36CD45F71EC}" type="datetimeFigureOut">
               <a:rPr lang="en-US" smtClean="0"/>
-              <a:t>9/2/20</a:t>
+              <a:t>10/4/20</a:t>
             </a:fld>
             <a:endParaRPr lang="en-US"/>
           </a:p>
@@ -3146,7 +3146,7 @@
           <a:p>
             <a:fld id="{5498BE7D-DC35-F24F-9155-A36CD45F71EC}" type="datetimeFigureOut">
               <a:rPr lang="en-US" smtClean="0"/>
-              <a:t>9/2/20</a:t>
+              <a:t>10/4/20</a:t>
             </a:fld>
             <a:endParaRPr lang="en-US"/>
           </a:p>
@@ -3389,7 +3389,7 @@
           <a:p>
             <a:fld id="{5498BE7D-DC35-F24F-9155-A36CD45F71EC}" type="datetimeFigureOut">
               <a:rPr lang="en-US" smtClean="0"/>
-              <a:t>9/2/20</a:t>
+              <a:t>10/4/20</a:t>
             </a:fld>
             <a:endParaRPr lang="en-US"/>
           </a:p>
